--- a/Шаблон презентации для защиты.pptx
+++ b/Шаблон презентации для защиты.pptx
@@ -7,13 +7,14 @@
   <p:sldIdLst>
     <p:sldId id="256" r:id="rId2"/>
     <p:sldId id="257" r:id="rId3"/>
-    <p:sldId id="258" r:id="rId4"/>
-    <p:sldId id="259" r:id="rId5"/>
-    <p:sldId id="260" r:id="rId6"/>
-    <p:sldId id="261" r:id="rId7"/>
-    <p:sldId id="262" r:id="rId8"/>
-    <p:sldId id="263" r:id="rId9"/>
-    <p:sldId id="264" r:id="rId10"/>
+    <p:sldId id="265" r:id="rId4"/>
+    <p:sldId id="258" r:id="rId5"/>
+    <p:sldId id="259" r:id="rId6"/>
+    <p:sldId id="260" r:id="rId7"/>
+    <p:sldId id="261" r:id="rId8"/>
+    <p:sldId id="262" r:id="rId9"/>
+    <p:sldId id="263" r:id="rId10"/>
+    <p:sldId id="264" r:id="rId11"/>
   </p:sldIdLst>
   <p:sldSz cx="12192000" cy="6858000"/>
   <p:notesSz cx="12192000" cy="6858000"/>
@@ -3730,7 +3731,7 @@
             </a:pPr>
             <a:fld id="{71FE0170-5F17-4EB0-BFA4-80529005E784}" type="datetimeFigureOut">
               <a:rPr lang="ru-RU"/>
-              <a:t>30.09.2024</a:t>
+              <a:t>12.04.2025</a:t>
             </a:fld>
             <a:endParaRPr lang="ru-RU"/>
           </a:p>
@@ -4158,16 +4159,12 @@
               <a:defRPr/>
             </a:pPr>
             <a:r>
-              <a:rPr lang="ru-RU"/>
-              <a:t>«</a:t>
-            </a:r>
-            <a:r>
-              <a:rPr lang="en-US"/>
-              <a:t>???</a:t>
-            </a:r>
-            <a:r>
-              <a:rPr lang="ru-RU"/>
-              <a:t>»</a:t>
+              <a:rPr lang="en-US" dirty="0"/>
+              <a:t>Docker </a:t>
+            </a:r>
+            <a:r>
+              <a:rPr lang="ru-RU" dirty="0"/>
+              <a:t>контейнеризация</a:t>
             </a:r>
           </a:p>
         </p:txBody>
@@ -4196,10 +4193,13 @@
               <a:defRPr/>
             </a:pPr>
             <a:r>
-              <a:rPr lang="en-US" b="1"/>
-              <a:t>???</a:t>
-            </a:r>
-            <a:endParaRPr lang="ru-RU" b="1"/>
+              <a:rPr lang="ru-RU" b="1" dirty="0" err="1"/>
+              <a:t>Хаксар</a:t>
+            </a:r>
+            <a:r>
+              <a:rPr lang="ru-RU" b="1" dirty="0"/>
+              <a:t> М.Н</a:t>
+            </a:r>
           </a:p>
         </p:txBody>
       </p:sp>
@@ -4227,10 +4227,10 @@
               <a:defRPr/>
             </a:pPr>
             <a:r>
-              <a:rPr lang="ru-RU"/>
-              <a:t>???</a:t>
-            </a:r>
-            <a:endParaRPr/>
+              <a:rPr lang="ru-RU" dirty="0"/>
+              <a:t>ИСП131</a:t>
+            </a:r>
+            <a:endParaRPr dirty="0"/>
           </a:p>
         </p:txBody>
       </p:sp>
@@ -4442,14 +4442,79 @@
   <p:clrMapOvr>
     <a:masterClrMapping/>
   </p:clrMapOvr>
-  <mc:AlternateContent xmlns:mc="http://schemas.openxmlformats.org/markup-compatibility/2006" xmlns:p14="http://schemas.microsoft.com/office/powerpoint/2010/main">
-    <mc:Choice Requires="p14">
-      <p:transition spd="slow" p14:dur="2000"/>
-    </mc:Choice>
-    <mc:Fallback xmlns:w="http://schemas.openxmlformats.org/wordprocessingml/2006/main" xmlns:m="http://schemas.openxmlformats.org/officeDocument/2006/math" xmlns="">
-      <p:transition advClick="1"/>
-    </mc:Fallback>
-  </mc:AlternateContent>
+</p:sld>
+</file>
+
+<file path=ppt/slides/slide10.xml><?xml version="1.0" encoding="utf-8"?>
+<p:sld xmlns:a="http://schemas.openxmlformats.org/drawingml/2006/main" xmlns:r="http://schemas.openxmlformats.org/officeDocument/2006/relationships" xmlns:p="http://schemas.openxmlformats.org/presentationml/2006/main" showMasterPhAnim="0">
+  <p:cSld>
+    <p:spTree>
+      <p:nvGrpSpPr>
+        <p:cNvPr id="1" name=""/>
+        <p:cNvGrpSpPr/>
+        <p:nvPr/>
+      </p:nvGrpSpPr>
+      <p:grpSpPr bwMode="auto">
+        <a:xfrm>
+          <a:off x="0" y="0"/>
+          <a:ext cx="0" cy="0"/>
+          <a:chOff x="0" y="0"/>
+          <a:chExt cx="0" cy="0"/>
+        </a:xfrm>
+      </p:grpSpPr>
+      <p:sp>
+        <p:nvSpPr>
+          <p:cNvPr id="11" name="Заголовок 10"/>
+          <p:cNvSpPr>
+            <a:spLocks noGrp="1"/>
+          </p:cNvSpPr>
+          <p:nvPr>
+            <p:ph type="title"/>
+          </p:nvPr>
+        </p:nvSpPr>
+        <p:spPr bwMode="auto"/>
+        <p:txBody>
+          <a:bodyPr/>
+          <a:lstStyle/>
+          <a:p>
+            <a:pPr>
+              <a:defRPr/>
+            </a:pPr>
+            <a:r>
+              <a:rPr lang="ru-RU"/>
+              <a:t>Спасибо за внимание</a:t>
+            </a:r>
+            <a:endParaRPr/>
+          </a:p>
+        </p:txBody>
+      </p:sp>
+      <p:sp>
+        <p:nvSpPr>
+          <p:cNvPr id="12" name="Текст 11"/>
+          <p:cNvSpPr>
+            <a:spLocks noGrp="1"/>
+          </p:cNvSpPr>
+          <p:nvPr>
+            <p:ph type="body" sz="quarter" idx="10"/>
+          </p:nvPr>
+        </p:nvSpPr>
+        <p:spPr bwMode="auto"/>
+        <p:txBody>
+          <a:bodyPr/>
+          <a:lstStyle/>
+          <a:p>
+            <a:pPr>
+              <a:defRPr/>
+            </a:pPr>
+            <a:endParaRPr lang="ru-RU"/>
+          </a:p>
+        </p:txBody>
+      </p:sp>
+    </p:spTree>
+  </p:cSld>
+  <p:clrMapOvr>
+    <a:masterClrMapping/>
+  </p:clrMapOvr>
 </p:sld>
 </file>
 
@@ -4489,10 +4554,10 @@
               <a:defRPr/>
             </a:pPr>
             <a:r>
-              <a:rPr lang="ru-RU"/>
+              <a:rPr lang="ru-RU" dirty="0"/>
               <a:t>ВВЕДЕНИЕ</a:t>
             </a:r>
-            <a:endParaRPr/>
+            <a:endParaRPr dirty="0"/>
           </a:p>
         </p:txBody>
       </p:sp>
@@ -4565,17 +4630,17 @@
               <a:defRPr/>
             </a:pPr>
             <a:r>
-              <a:rPr lang="ru-RU" b="1"/>
+              <a:rPr lang="ru-RU" b="1" dirty="0"/>
               <a:t>Задачи:</a:t>
             </a:r>
-            <a:endParaRPr/>
+            <a:endParaRPr dirty="0"/>
           </a:p>
           <a:p>
             <a:pPr>
               <a:defRPr/>
             </a:pPr>
             <a:r>
-              <a:rPr lang="ru-RU"/>
+              <a:rPr lang="ru-RU" dirty="0"/>
               <a:t>1.</a:t>
             </a:r>
           </a:p>
@@ -4623,19 +4688,11 @@
   <p:clrMapOvr>
     <a:masterClrMapping/>
   </p:clrMapOvr>
-  <mc:AlternateContent xmlns:mc="http://schemas.openxmlformats.org/markup-compatibility/2006" xmlns:p14="http://schemas.microsoft.com/office/powerpoint/2010/main">
-    <mc:Choice Requires="p14">
-      <p:transition spd="slow" p14:dur="2000"/>
-    </mc:Choice>
-    <mc:Fallback xmlns:w="http://schemas.openxmlformats.org/wordprocessingml/2006/main" xmlns:m="http://schemas.openxmlformats.org/officeDocument/2006/math" xmlns="">
-      <p:transition advClick="1"/>
-    </mc:Fallback>
-  </mc:AlternateContent>
 </p:sld>
 </file>
 
 <file path=ppt/slides/slide3.xml><?xml version="1.0" encoding="utf-8"?>
-<p:sld xmlns:a="http://schemas.openxmlformats.org/drawingml/2006/main" xmlns:r="http://schemas.openxmlformats.org/officeDocument/2006/relationships" xmlns:p="http://schemas.openxmlformats.org/presentationml/2006/main" showMasterPhAnim="0">
+<p:sld xmlns:a="http://schemas.openxmlformats.org/drawingml/2006/main" xmlns:r="http://schemas.openxmlformats.org/officeDocument/2006/relationships" xmlns:p="http://schemas.openxmlformats.org/presentationml/2006/main">
   <p:cSld>
     <p:spTree>
       <p:nvGrpSpPr>
@@ -4643,7 +4700,7 @@
         <p:cNvGrpSpPr/>
         <p:nvPr/>
       </p:nvGrpSpPr>
-      <p:grpSpPr bwMode="auto">
+      <p:grpSpPr>
         <a:xfrm>
           <a:off x="0" y="0"/>
           <a:ext cx="0" cy="0"/>
@@ -4653,7 +4710,13 @@
       </p:grpSpPr>
       <p:sp>
         <p:nvSpPr>
-          <p:cNvPr id="6" name="Заголовок 5"/>
+          <p:cNvPr id="2" name="Заголовок 1">
+            <a:extLst>
+              <a:ext uri="{FF2B5EF4-FFF2-40B4-BE49-F238E27FC236}">
+                <a16:creationId xmlns:a16="http://schemas.microsoft.com/office/drawing/2014/main" id="{1A2E9A41-E755-48C3-83C3-3F9102FD5C9E}"/>
+              </a:ext>
+            </a:extLst>
+          </p:cNvPr>
           <p:cNvSpPr>
             <a:spLocks noGrp="1"/>
           </p:cNvSpPr>
@@ -4661,57 +4724,151 @@
             <p:ph type="title"/>
           </p:nvPr>
         </p:nvSpPr>
-        <p:spPr bwMode="auto"/>
+        <p:spPr/>
         <p:txBody>
           <a:bodyPr/>
           <a:lstStyle/>
           <a:p>
-            <a:pPr>
-              <a:defRPr/>
-            </a:pPr>
-            <a:r>
-              <a:rPr lang="ru-RU"/>
-              <a:t>ТЕОРИТИЧЕСКАЯ ЧАСТЬ</a:t>
-            </a:r>
-            <a:endParaRPr/>
-          </a:p>
-        </p:txBody>
-      </p:sp>
-      <p:sp>
-        <p:nvSpPr>
-          <p:cNvPr id="7" name="Текст 6"/>
-          <p:cNvSpPr>
-            <a:spLocks noGrp="1"/>
-          </p:cNvSpPr>
-          <p:nvPr>
-            <p:ph type="body" sz="quarter" idx="10"/>
-          </p:nvPr>
-        </p:nvSpPr>
-        <p:spPr bwMode="auto"/>
+            <a:r>
+              <a:rPr lang="ru-RU" dirty="0"/>
+              <a:t>Актуальность</a:t>
+            </a:r>
+          </a:p>
+        </p:txBody>
+      </p:sp>
+      <p:sp>
+        <p:nvSpPr>
+          <p:cNvPr id="3" name="Текст 2">
+            <a:extLst>
+              <a:ext uri="{FF2B5EF4-FFF2-40B4-BE49-F238E27FC236}">
+                <a16:creationId xmlns:a16="http://schemas.microsoft.com/office/drawing/2014/main" id="{1727EE11-8B84-4EDF-9394-B3C24A06ED66}"/>
+              </a:ext>
+            </a:extLst>
+          </p:cNvPr>
+          <p:cNvSpPr>
+            <a:spLocks noGrp="1"/>
+          </p:cNvSpPr>
+          <p:nvPr>
+            <p:ph type="body" sz="quarter" idx="11"/>
+          </p:nvPr>
+        </p:nvSpPr>
+        <p:spPr/>
         <p:txBody>
           <a:bodyPr/>
           <a:lstStyle/>
           <a:p>
+            <a:endParaRPr lang="ru-RU" dirty="0"/>
+          </a:p>
+        </p:txBody>
+      </p:sp>
+      <p:pic>
+        <p:nvPicPr>
+          <p:cNvPr id="11" name="Объект 10">
+            <a:extLst>
+              <a:ext uri="{FF2B5EF4-FFF2-40B4-BE49-F238E27FC236}">
+                <a16:creationId xmlns:a16="http://schemas.microsoft.com/office/drawing/2014/main" id="{3DE0C43D-511A-4F4F-B328-F7EE9837D577}"/>
+              </a:ext>
+            </a:extLst>
+          </p:cNvPr>
+          <p:cNvPicPr>
+            <a:picLocks noGrp="1" noChangeAspect="1"/>
+          </p:cNvPicPr>
+          <p:nvPr>
+            <p:ph idx="12"/>
+          </p:nvPr>
+        </p:nvPicPr>
+        <p:blipFill>
+          <a:blip r:embed="rId2"/>
+          <a:stretch>
+            <a:fillRect/>
+          </a:stretch>
+        </p:blipFill>
+        <p:spPr>
+          <a:xfrm>
+            <a:off x="6452495" y="1227746"/>
+            <a:ext cx="3652589" cy="4989512"/>
+          </a:xfrm>
+        </p:spPr>
+      </p:pic>
+      <p:sp>
+        <p:nvSpPr>
+          <p:cNvPr id="12" name="Текст 4">
+            <a:extLst>
+              <a:ext uri="{FF2B5EF4-FFF2-40B4-BE49-F238E27FC236}">
+                <a16:creationId xmlns:a16="http://schemas.microsoft.com/office/drawing/2014/main" id="{50FDF164-8B45-4B8E-8133-D4B4116DD656}"/>
+              </a:ext>
+            </a:extLst>
+          </p:cNvPr>
+          <p:cNvSpPr>
+            <a:spLocks noGrp="1"/>
+          </p:cNvSpPr>
+          <p:nvPr>
+            <p:ph type="body" sz="quarter" idx="13"/>
+          </p:nvPr>
+        </p:nvSpPr>
+        <p:spPr>
+          <a:xfrm>
+            <a:off x="838198" y="1952472"/>
+            <a:ext cx="5147663" cy="4337568"/>
+          </a:xfrm>
+        </p:spPr>
+        <p:txBody>
+          <a:bodyPr/>
+          <a:lstStyle/>
+          <a:p>
+            <a:endParaRPr lang="ru-RU" dirty="0"/>
+          </a:p>
+        </p:txBody>
+      </p:sp>
+      <p:sp>
+        <p:nvSpPr>
+          <p:cNvPr id="13" name="TextBox 12">
+            <a:extLst>
+              <a:ext uri="{FF2B5EF4-FFF2-40B4-BE49-F238E27FC236}">
+                <a16:creationId xmlns:a16="http://schemas.microsoft.com/office/drawing/2014/main" id="{376FF576-68CC-40A9-AD91-9BABF39060E3}"/>
+              </a:ext>
+            </a:extLst>
+          </p:cNvPr>
+          <p:cNvSpPr txBox="1"/>
+          <p:nvPr/>
+        </p:nvSpPr>
+        <p:spPr bwMode="auto">
+          <a:xfrm>
+            <a:off x="6096000" y="412624"/>
+            <a:ext cx="4365580" cy="646331"/>
+          </a:xfrm>
+          <a:prstGeom prst="rect">
+            <a:avLst/>
+          </a:prstGeom>
+          <a:noFill/>
+        </p:spPr>
+        <p:txBody>
+          <a:bodyPr wrap="square">
+            <a:spAutoFit/>
+          </a:bodyPr>
+          <a:lstStyle/>
+          <a:p>
             <a:pPr>
               <a:defRPr/>
             </a:pPr>
-            <a:endParaRPr lang="ru-RU"/>
+            <a:r>
+              <a:rPr lang="ru-RU" b="1" dirty="0"/>
+              <a:t>Топ 10 самых востребованных навыков на Российском рынке вакансий</a:t>
+            </a:r>
+            <a:endParaRPr lang="ru-RU" dirty="0"/>
           </a:p>
         </p:txBody>
       </p:sp>
     </p:spTree>
+    <p:extLst>
+      <p:ext uri="{BB962C8B-B14F-4D97-AF65-F5344CB8AC3E}">
+        <p14:creationId xmlns:p14="http://schemas.microsoft.com/office/powerpoint/2010/main" val="1995580403"/>
+      </p:ext>
+    </p:extLst>
   </p:cSld>
   <p:clrMapOvr>
     <a:masterClrMapping/>
   </p:clrMapOvr>
-  <mc:AlternateContent xmlns:mc="http://schemas.openxmlformats.org/markup-compatibility/2006" xmlns:p14="http://schemas.microsoft.com/office/powerpoint/2010/main">
-    <mc:Choice Requires="p14">
-      <p:transition spd="slow" p14:dur="2000"/>
-    </mc:Choice>
-    <mc:Fallback xmlns:w="http://schemas.openxmlformats.org/wordprocessingml/2006/main" xmlns:m="http://schemas.openxmlformats.org/officeDocument/2006/math" xmlns="">
-      <p:transition advClick="1"/>
-    </mc:Fallback>
-  </mc:AlternateContent>
 </p:sld>
 </file>
 
@@ -4734,7 +4891,7 @@
       </p:grpSpPr>
       <p:sp>
         <p:nvSpPr>
-          <p:cNvPr id="2" name="Заголовок 1"/>
+          <p:cNvPr id="6" name="Заголовок 5"/>
           <p:cNvSpPr>
             <a:spLocks noGrp="1"/>
           </p:cNvSpPr>
@@ -4742,36 +4899,30 @@
             <p:ph type="title"/>
           </p:nvPr>
         </p:nvSpPr>
-        <p:spPr bwMode="auto">
-          <a:xfrm>
-            <a:off x="838198" y="332337"/>
-            <a:ext cx="10247299" cy="815122"/>
-          </a:xfrm>
-        </p:spPr>
-        <p:txBody>
-          <a:bodyPr>
-            <a:normAutofit/>
-          </a:bodyPr>
+        <p:spPr bwMode="auto"/>
+        <p:txBody>
+          <a:bodyPr/>
           <a:lstStyle/>
           <a:p>
             <a:pPr>
               <a:defRPr/>
             </a:pPr>
             <a:r>
-              <a:rPr lang="ru-RU" sz="2400"/>
-              <a:t>Теоретическая часть</a:t>
-            </a:r>
-          </a:p>
-        </p:txBody>
-      </p:sp>
-      <p:sp>
-        <p:nvSpPr>
-          <p:cNvPr id="3" name="Текст 2"/>
-          <p:cNvSpPr>
-            <a:spLocks noGrp="1"/>
-          </p:cNvSpPr>
-          <p:nvPr>
-            <p:ph type="body" sz="quarter" idx="11"/>
+              <a:rPr lang="ru-RU"/>
+              <a:t>ТЕОРИТИЧЕСКАЯ ЧАСТЬ</a:t>
+            </a:r>
+            <a:endParaRPr/>
+          </a:p>
+        </p:txBody>
+      </p:sp>
+      <p:sp>
+        <p:nvSpPr>
+          <p:cNvPr id="7" name="Текст 6"/>
+          <p:cNvSpPr>
+            <a:spLocks noGrp="1"/>
+          </p:cNvSpPr>
+          <p:nvPr>
+            <p:ph type="body" sz="quarter" idx="10"/>
           </p:nvPr>
         </p:nvSpPr>
         <p:spPr bwMode="auto"/>
@@ -4791,14 +4942,6 @@
   <p:clrMapOvr>
     <a:masterClrMapping/>
   </p:clrMapOvr>
-  <mc:AlternateContent xmlns:mc="http://schemas.openxmlformats.org/markup-compatibility/2006" xmlns:p14="http://schemas.microsoft.com/office/powerpoint/2010/main">
-    <mc:Choice Requires="p14">
-      <p:transition spd="slow" p14:dur="2000"/>
-    </mc:Choice>
-    <mc:Fallback xmlns:w="http://schemas.openxmlformats.org/wordprocessingml/2006/main" xmlns:m="http://schemas.openxmlformats.org/officeDocument/2006/math" xmlns="">
-      <p:transition advClick="1"/>
-    </mc:Fallback>
-  </mc:AlternateContent>
 </p:sld>
 </file>
 
@@ -4821,12 +4964,44 @@
       </p:grpSpPr>
       <p:sp>
         <p:nvSpPr>
-          <p:cNvPr id="7" name="Заголовок 6"/>
+          <p:cNvPr id="2" name="Заголовок 1"/>
           <p:cNvSpPr>
             <a:spLocks noGrp="1"/>
           </p:cNvSpPr>
           <p:nvPr>
             <p:ph type="title"/>
+          </p:nvPr>
+        </p:nvSpPr>
+        <p:spPr bwMode="auto">
+          <a:xfrm>
+            <a:off x="838198" y="332337"/>
+            <a:ext cx="10247299" cy="815122"/>
+          </a:xfrm>
+        </p:spPr>
+        <p:txBody>
+          <a:bodyPr>
+            <a:normAutofit/>
+          </a:bodyPr>
+          <a:lstStyle/>
+          <a:p>
+            <a:pPr>
+              <a:defRPr/>
+            </a:pPr>
+            <a:r>
+              <a:rPr lang="ru-RU" sz="2400"/>
+              <a:t>Теоретическая часть</a:t>
+            </a:r>
+          </a:p>
+        </p:txBody>
+      </p:sp>
+      <p:sp>
+        <p:nvSpPr>
+          <p:cNvPr id="3" name="Текст 2"/>
+          <p:cNvSpPr>
+            <a:spLocks noGrp="1"/>
+          </p:cNvSpPr>
+          <p:nvPr>
+            <p:ph type="body" sz="quarter" idx="11"/>
           </p:nvPr>
         </p:nvSpPr>
         <p:spPr bwMode="auto"/>
@@ -4837,49 +5012,51 @@
             <a:pPr>
               <a:defRPr/>
             </a:pPr>
-            <a:r>
-              <a:rPr lang="ru-RU"/>
-              <a:t>ПРАКТИЧЕСКАЯ ЧАСТЬ</a:t>
-            </a:r>
-            <a:endParaRPr/>
-          </a:p>
-        </p:txBody>
-      </p:sp>
-      <p:sp>
-        <p:nvSpPr>
-          <p:cNvPr id="2" name="Текст 1"/>
-          <p:cNvSpPr>
-            <a:spLocks noGrp="1"/>
-          </p:cNvSpPr>
-          <p:nvPr>
-            <p:ph type="body" sz="quarter" idx="10"/>
-          </p:nvPr>
-        </p:nvSpPr>
-        <p:spPr bwMode="auto"/>
-        <p:txBody>
-          <a:bodyPr/>
-          <a:lstStyle/>
-          <a:p>
-            <a:pPr>
-              <a:defRPr/>
-            </a:pPr>
-            <a:endParaRPr lang="ru-RU"/>
-          </a:p>
-        </p:txBody>
-      </p:sp>
+            <a:endParaRPr lang="ru-RU" dirty="0"/>
+          </a:p>
+        </p:txBody>
+      </p:sp>
+      <p:pic>
+        <p:nvPicPr>
+          <p:cNvPr id="5" name="Рисунок 4">
+            <a:extLst>
+              <a:ext uri="{FF2B5EF4-FFF2-40B4-BE49-F238E27FC236}">
+                <a16:creationId xmlns:a16="http://schemas.microsoft.com/office/drawing/2014/main" id="{5555064C-52EB-4030-811D-0FC9167DBBF9}"/>
+              </a:ext>
+            </a:extLst>
+          </p:cNvPr>
+          <p:cNvPicPr>
+            <a:picLocks noChangeAspect="1"/>
+          </p:cNvPicPr>
+          <p:nvPr/>
+        </p:nvPicPr>
+        <p:blipFill>
+          <a:blip r:embed="rId2" cstate="print">
+            <a:extLst>
+              <a:ext uri="{28A0092B-C50C-407E-A947-70E740481C1C}">
+                <a14:useLocalDpi xmlns:a14="http://schemas.microsoft.com/office/drawing/2010/main" val="0"/>
+              </a:ext>
+            </a:extLst>
+          </a:blip>
+          <a:stretch>
+            <a:fillRect/>
+          </a:stretch>
+        </p:blipFill>
+        <p:spPr>
+          <a:xfrm>
+            <a:off x="1941921" y="1948365"/>
+            <a:ext cx="7704841" cy="4333973"/>
+          </a:xfrm>
+          <a:prstGeom prst="rect">
+            <a:avLst/>
+          </a:prstGeom>
+        </p:spPr>
+      </p:pic>
     </p:spTree>
   </p:cSld>
   <p:clrMapOvr>
     <a:masterClrMapping/>
   </p:clrMapOvr>
-  <mc:AlternateContent xmlns:mc="http://schemas.openxmlformats.org/markup-compatibility/2006" xmlns:p14="http://schemas.microsoft.com/office/powerpoint/2010/main">
-    <mc:Choice Requires="p14">
-      <p:transition spd="slow" p14:dur="2000"/>
-    </mc:Choice>
-    <mc:Fallback xmlns:w="http://schemas.openxmlformats.org/wordprocessingml/2006/main" xmlns:m="http://schemas.openxmlformats.org/officeDocument/2006/math" xmlns="">
-      <p:transition advClick="1"/>
-    </mc:Fallback>
-  </mc:AlternateContent>
 </p:sld>
 </file>
 
@@ -4902,7 +5079,7 @@
       </p:grpSpPr>
       <p:sp>
         <p:nvSpPr>
-          <p:cNvPr id="2" name="Заголовок 1"/>
+          <p:cNvPr id="7" name="Заголовок 6"/>
           <p:cNvSpPr>
             <a:spLocks noGrp="1"/>
           </p:cNvSpPr>
@@ -4920,9 +5097,31 @@
             </a:pPr>
             <a:r>
               <a:rPr lang="ru-RU"/>
-              <a:t>Практическая часть</a:t>
-            </a:r>
-            <a:endParaRPr/>
+              <a:t>ПРАКТИЧЕСКАЯ ЧАСТЬ</a:t>
+            </a:r>
+            <a:endParaRPr/>
+          </a:p>
+        </p:txBody>
+      </p:sp>
+      <p:sp>
+        <p:nvSpPr>
+          <p:cNvPr id="2" name="Текст 1"/>
+          <p:cNvSpPr>
+            <a:spLocks noGrp="1"/>
+          </p:cNvSpPr>
+          <p:nvPr>
+            <p:ph type="body" sz="quarter" idx="10"/>
+          </p:nvPr>
+        </p:nvSpPr>
+        <p:spPr bwMode="auto"/>
+        <p:txBody>
+          <a:bodyPr/>
+          <a:lstStyle/>
+          <a:p>
+            <a:pPr>
+              <a:defRPr/>
+            </a:pPr>
+            <a:endParaRPr lang="ru-RU"/>
           </a:p>
         </p:txBody>
       </p:sp>
@@ -4931,14 +5130,6 @@
   <p:clrMapOvr>
     <a:masterClrMapping/>
   </p:clrMapOvr>
-  <mc:AlternateContent xmlns:mc="http://schemas.openxmlformats.org/markup-compatibility/2006" xmlns:p14="http://schemas.microsoft.com/office/powerpoint/2010/main">
-    <mc:Choice Requires="p14">
-      <p:transition spd="slow" p14:dur="2000"/>
-    </mc:Choice>
-    <mc:Fallback xmlns:w="http://schemas.openxmlformats.org/wordprocessingml/2006/main" xmlns:m="http://schemas.openxmlformats.org/officeDocument/2006/math" xmlns="">
-      <p:transition advClick="1"/>
-    </mc:Fallback>
-  </mc:AlternateContent>
 </p:sld>
 </file>
 
@@ -4969,12 +5160,7 @@
             <p:ph type="title"/>
           </p:nvPr>
         </p:nvSpPr>
-        <p:spPr bwMode="auto">
-          <a:xfrm>
-            <a:off x="1106500" y="328229"/>
-            <a:ext cx="7203311" cy="815122"/>
-          </a:xfrm>
-        </p:spPr>
+        <p:spPr bwMode="auto"/>
         <p:txBody>
           <a:bodyPr/>
           <a:lstStyle/>
@@ -4984,61 +5170,9 @@
             </a:pPr>
             <a:r>
               <a:rPr lang="ru-RU"/>
-              <a:t>Заключение</a:t>
-            </a:r>
-          </a:p>
-        </p:txBody>
-      </p:sp>
-      <p:sp>
-        <p:nvSpPr>
-          <p:cNvPr id="4" name="Объект 3"/>
-          <p:cNvSpPr>
-            <a:spLocks noGrp="1"/>
-          </p:cNvSpPr>
-          <p:nvPr>
-            <p:ph idx="12"/>
-          </p:nvPr>
-        </p:nvSpPr>
-        <p:spPr bwMode="auto">
-          <a:xfrm>
-            <a:off x="835352" y="1352119"/>
-            <a:ext cx="11356648" cy="4840863"/>
-          </a:xfrm>
-        </p:spPr>
-        <p:txBody>
-          <a:bodyPr>
-            <a:normAutofit/>
-          </a:bodyPr>
-          <a:lstStyle/>
-          <a:p>
-            <a:pPr algn="just">
-              <a:lnSpc>
-                <a:spcPct val="100000"/>
-              </a:lnSpc>
-              <a:defRPr/>
-            </a:pPr>
-            <a:r>
-              <a:rPr lang="ru-RU" sz="2000">
-                <a:solidFill>
-                  <a:schemeClr val="tx1"/>
-                </a:solidFill>
-                <a:latin typeface="Times New Roman"/>
-                <a:cs typeface="Times New Roman"/>
-              </a:rPr>
-              <a:t>.</a:t>
-            </a:r>
-          </a:p>
-          <a:p>
-            <a:pPr>
-              <a:defRPr/>
-            </a:pPr>
-            <a:endParaRPr lang="ru-RU" sz="2000">
-              <a:solidFill>
-                <a:schemeClr val="tx1"/>
-              </a:solidFill>
-              <a:latin typeface="Times New Roman"/>
-              <a:cs typeface="Times New Roman"/>
-            </a:endParaRPr>
+              <a:t>Практическая часть</a:t>
+            </a:r>
+            <a:endParaRPr/>
           </a:p>
         </p:txBody>
       </p:sp>
@@ -5047,14 +5181,6 @@
   <p:clrMapOvr>
     <a:masterClrMapping/>
   </p:clrMapOvr>
-  <mc:AlternateContent xmlns:mc="http://schemas.openxmlformats.org/markup-compatibility/2006" xmlns:p14="http://schemas.microsoft.com/office/powerpoint/2010/main">
-    <mc:Choice Requires="p14">
-      <p:transition spd="slow" p14:dur="2000"/>
-    </mc:Choice>
-    <mc:Fallback xmlns:w="http://schemas.openxmlformats.org/wordprocessingml/2006/main" xmlns:m="http://schemas.openxmlformats.org/officeDocument/2006/math" xmlns="">
-      <p:transition advClick="1"/>
-    </mc:Fallback>
-  </mc:AlternateContent>
 </p:sld>
 </file>
 
@@ -5100,7 +5226,7 @@
             </a:pPr>
             <a:r>
               <a:rPr lang="ru-RU"/>
-              <a:t>Список литературы</a:t>
+              <a:t>Заключение</a:t>
             </a:r>
           </a:p>
         </p:txBody>
@@ -5163,14 +5289,6 @@
   <p:clrMapOvr>
     <a:masterClrMapping/>
   </p:clrMapOvr>
-  <mc:AlternateContent xmlns:mc="http://schemas.openxmlformats.org/markup-compatibility/2006" xmlns:p14="http://schemas.microsoft.com/office/powerpoint/2010/main">
-    <mc:Choice Requires="p14">
-      <p:transition spd="slow" p14:dur="2000"/>
-    </mc:Choice>
-    <mc:Fallback xmlns:w="http://schemas.openxmlformats.org/wordprocessingml/2006/main" xmlns:m="http://schemas.openxmlformats.org/officeDocument/2006/math" xmlns="">
-      <p:transition advClick="1"/>
-    </mc:Fallback>
-  </mc:AlternateContent>
 </p:sld>
 </file>
 
@@ -5193,7 +5311,7 @@
       </p:grpSpPr>
       <p:sp>
         <p:nvSpPr>
-          <p:cNvPr id="11" name="Заголовок 10"/>
+          <p:cNvPr id="2" name="Заголовок 1"/>
           <p:cNvSpPr>
             <a:spLocks noGrp="1"/>
           </p:cNvSpPr>
@@ -5201,7 +5319,12 @@
             <p:ph type="title"/>
           </p:nvPr>
         </p:nvSpPr>
-        <p:spPr bwMode="auto"/>
+        <p:spPr bwMode="auto">
+          <a:xfrm>
+            <a:off x="1106500" y="328229"/>
+            <a:ext cx="7203311" cy="815122"/>
+          </a:xfrm>
+        </p:spPr>
         <p:txBody>
           <a:bodyPr/>
           <a:lstStyle/>
@@ -5211,31 +5334,61 @@
             </a:pPr>
             <a:r>
               <a:rPr lang="ru-RU"/>
-              <a:t>Спасибо за внимание</a:t>
-            </a:r>
-            <a:endParaRPr/>
-          </a:p>
-        </p:txBody>
-      </p:sp>
-      <p:sp>
-        <p:nvSpPr>
-          <p:cNvPr id="12" name="Текст 11"/>
-          <p:cNvSpPr>
-            <a:spLocks noGrp="1"/>
-          </p:cNvSpPr>
-          <p:nvPr>
-            <p:ph type="body" sz="quarter" idx="10"/>
-          </p:nvPr>
-        </p:nvSpPr>
-        <p:spPr bwMode="auto"/>
-        <p:txBody>
-          <a:bodyPr/>
+              <a:t>Список литературы</a:t>
+            </a:r>
+          </a:p>
+        </p:txBody>
+      </p:sp>
+      <p:sp>
+        <p:nvSpPr>
+          <p:cNvPr id="4" name="Объект 3"/>
+          <p:cNvSpPr>
+            <a:spLocks noGrp="1"/>
+          </p:cNvSpPr>
+          <p:nvPr>
+            <p:ph idx="12"/>
+          </p:nvPr>
+        </p:nvSpPr>
+        <p:spPr bwMode="auto">
+          <a:xfrm>
+            <a:off x="835352" y="1352119"/>
+            <a:ext cx="11356648" cy="4840863"/>
+          </a:xfrm>
+        </p:spPr>
+        <p:txBody>
+          <a:bodyPr>
+            <a:normAutofit/>
+          </a:bodyPr>
           <a:lstStyle/>
           <a:p>
+            <a:pPr algn="just">
+              <a:lnSpc>
+                <a:spcPct val="100000"/>
+              </a:lnSpc>
+              <a:defRPr/>
+            </a:pPr>
+            <a:r>
+              <a:rPr lang="ru-RU" sz="2000">
+                <a:solidFill>
+                  <a:schemeClr val="tx1"/>
+                </a:solidFill>
+                <a:latin typeface="Times New Roman"/>
+                <a:cs typeface="Times New Roman"/>
+              </a:rPr>
+              <a:t>.</a:t>
+            </a:r>
+          </a:p>
+          <a:p>
             <a:pPr>
               <a:defRPr/>
             </a:pPr>
-            <a:endParaRPr lang="ru-RU"/>
+            <a:endParaRPr lang="ru-RU" sz="2000">
+              <a:solidFill>
+                <a:schemeClr val="tx1"/>
+              </a:solidFill>
+              <a:latin typeface="Times New Roman"/>
+              <a:cs typeface="Times New Roman"/>
+            </a:endParaRPr>
           </a:p>
         </p:txBody>
       </p:sp>
@@ -5244,14 +5397,6 @@
   <p:clrMapOvr>
     <a:masterClrMapping/>
   </p:clrMapOvr>
-  <mc:AlternateContent xmlns:mc="http://schemas.openxmlformats.org/markup-compatibility/2006" xmlns:p14="http://schemas.microsoft.com/office/powerpoint/2010/main">
-    <mc:Choice Requires="p14">
-      <p:transition spd="slow" p14:dur="2000"/>
-    </mc:Choice>
-    <mc:Fallback xmlns:w="http://schemas.openxmlformats.org/wordprocessingml/2006/main" xmlns:m="http://schemas.openxmlformats.org/officeDocument/2006/math" xmlns="">
-      <p:transition advClick="1"/>
-    </mc:Fallback>
-  </mc:AlternateContent>
 </p:sld>
 </file>
 

--- a/Шаблон презентации для защиты.pptx
+++ b/Шаблон презентации для защиты.pptx
@@ -7,14 +7,19 @@
   <p:sldIdLst>
     <p:sldId id="256" r:id="rId2"/>
     <p:sldId id="257" r:id="rId3"/>
-    <p:sldId id="265" r:id="rId4"/>
-    <p:sldId id="258" r:id="rId5"/>
-    <p:sldId id="259" r:id="rId6"/>
-    <p:sldId id="260" r:id="rId7"/>
-    <p:sldId id="261" r:id="rId8"/>
-    <p:sldId id="262" r:id="rId9"/>
-    <p:sldId id="263" r:id="rId10"/>
-    <p:sldId id="264" r:id="rId11"/>
+    <p:sldId id="266" r:id="rId4"/>
+    <p:sldId id="268" r:id="rId5"/>
+    <p:sldId id="267" r:id="rId6"/>
+    <p:sldId id="270" r:id="rId7"/>
+    <p:sldId id="265" r:id="rId8"/>
+    <p:sldId id="269" r:id="rId9"/>
+    <p:sldId id="258" r:id="rId10"/>
+    <p:sldId id="259" r:id="rId11"/>
+    <p:sldId id="260" r:id="rId12"/>
+    <p:sldId id="261" r:id="rId13"/>
+    <p:sldId id="262" r:id="rId14"/>
+    <p:sldId id="263" r:id="rId15"/>
+    <p:sldId id="264" r:id="rId16"/>
   </p:sldIdLst>
   <p:sldSz cx="12192000" cy="6858000"/>
   <p:notesSz cx="12192000" cy="6858000"/>
@@ -3731,7 +3736,7 @@
             </a:pPr>
             <a:fld id="{71FE0170-5F17-4EB0-BFA4-80529005E784}" type="datetimeFigureOut">
               <a:rPr lang="ru-RU"/>
-              <a:t>12.04.2025</a:t>
+              <a:t>13.05.2025</a:t>
             </a:fld>
             <a:endParaRPr lang="ru-RU"/>
           </a:p>
@@ -4159,12 +4164,16 @@
               <a:defRPr/>
             </a:pPr>
             <a:r>
+              <a:rPr lang="ru-RU" dirty="0"/>
+              <a:t>«</a:t>
+            </a:r>
+            <a:r>
               <a:rPr lang="en-US" dirty="0"/>
               <a:t>Docker </a:t>
             </a:r>
             <a:r>
               <a:rPr lang="ru-RU" dirty="0"/>
-              <a:t>контейнеризация</a:t>
+              <a:t>контейнеризация»</a:t>
             </a:r>
           </a:p>
         </p:txBody>
@@ -4387,7 +4396,7 @@
               <a:defRPr/>
             </a:pPr>
             <a:r>
-              <a:rPr lang="ru-RU" sz="2000">
+              <a:rPr lang="ru-RU" sz="2000" dirty="0">
                 <a:solidFill>
                   <a:srgbClr val="002060"/>
                 </a:solidFill>
@@ -4395,9 +4404,31 @@
                 <a:ea typeface="+mj-ea"/>
                 <a:cs typeface="Arial"/>
               </a:rPr>
-              <a:t>ИНДИВИДУАЛЬНЫЙ ПРОЕКТ</a:t>
-            </a:r>
-            <a:endParaRPr/>
+              <a:t>ИНДИВИДУАЛЬНЫЙ</a:t>
+            </a:r>
+            <a:r>
+              <a:rPr lang="ru-RU" sz="2000" b="1" dirty="0">
+                <a:solidFill>
+                  <a:srgbClr val="002060"/>
+                </a:solidFill>
+                <a:latin typeface="Arial"/>
+                <a:ea typeface="+mj-ea"/>
+                <a:cs typeface="Arial"/>
+              </a:rPr>
+              <a:t> </a:t>
+            </a:r>
+            <a:r>
+              <a:rPr lang="ru-RU" sz="2000" dirty="0">
+                <a:solidFill>
+                  <a:srgbClr val="002060"/>
+                </a:solidFill>
+                <a:latin typeface="Arial"/>
+                <a:ea typeface="+mj-ea"/>
+                <a:cs typeface="Arial"/>
+              </a:rPr>
+              <a:t>ПРОЕКТ</a:t>
+            </a:r>
+            <a:endParaRPr dirty="0"/>
           </a:p>
         </p:txBody>
       </p:sp>
@@ -4446,506 +4477,6 @@
 </file>
 
 <file path=ppt/slides/slide10.xml><?xml version="1.0" encoding="utf-8"?>
-<p:sld xmlns:a="http://schemas.openxmlformats.org/drawingml/2006/main" xmlns:r="http://schemas.openxmlformats.org/officeDocument/2006/relationships" xmlns:p="http://schemas.openxmlformats.org/presentationml/2006/main" showMasterPhAnim="0">
-  <p:cSld>
-    <p:spTree>
-      <p:nvGrpSpPr>
-        <p:cNvPr id="1" name=""/>
-        <p:cNvGrpSpPr/>
-        <p:nvPr/>
-      </p:nvGrpSpPr>
-      <p:grpSpPr bwMode="auto">
-        <a:xfrm>
-          <a:off x="0" y="0"/>
-          <a:ext cx="0" cy="0"/>
-          <a:chOff x="0" y="0"/>
-          <a:chExt cx="0" cy="0"/>
-        </a:xfrm>
-      </p:grpSpPr>
-      <p:sp>
-        <p:nvSpPr>
-          <p:cNvPr id="11" name="Заголовок 10"/>
-          <p:cNvSpPr>
-            <a:spLocks noGrp="1"/>
-          </p:cNvSpPr>
-          <p:nvPr>
-            <p:ph type="title"/>
-          </p:nvPr>
-        </p:nvSpPr>
-        <p:spPr bwMode="auto"/>
-        <p:txBody>
-          <a:bodyPr/>
-          <a:lstStyle/>
-          <a:p>
-            <a:pPr>
-              <a:defRPr/>
-            </a:pPr>
-            <a:r>
-              <a:rPr lang="ru-RU"/>
-              <a:t>Спасибо за внимание</a:t>
-            </a:r>
-            <a:endParaRPr/>
-          </a:p>
-        </p:txBody>
-      </p:sp>
-      <p:sp>
-        <p:nvSpPr>
-          <p:cNvPr id="12" name="Текст 11"/>
-          <p:cNvSpPr>
-            <a:spLocks noGrp="1"/>
-          </p:cNvSpPr>
-          <p:nvPr>
-            <p:ph type="body" sz="quarter" idx="10"/>
-          </p:nvPr>
-        </p:nvSpPr>
-        <p:spPr bwMode="auto"/>
-        <p:txBody>
-          <a:bodyPr/>
-          <a:lstStyle/>
-          <a:p>
-            <a:pPr>
-              <a:defRPr/>
-            </a:pPr>
-            <a:endParaRPr lang="ru-RU"/>
-          </a:p>
-        </p:txBody>
-      </p:sp>
-    </p:spTree>
-  </p:cSld>
-  <p:clrMapOvr>
-    <a:masterClrMapping/>
-  </p:clrMapOvr>
-</p:sld>
-</file>
-
-<file path=ppt/slides/slide2.xml><?xml version="1.0" encoding="utf-8"?>
-<p:sld xmlns:a="http://schemas.openxmlformats.org/drawingml/2006/main" xmlns:r="http://schemas.openxmlformats.org/officeDocument/2006/relationships" xmlns:p="http://schemas.openxmlformats.org/presentationml/2006/main" showMasterPhAnim="0">
-  <p:cSld>
-    <p:spTree>
-      <p:nvGrpSpPr>
-        <p:cNvPr id="1" name=""/>
-        <p:cNvGrpSpPr/>
-        <p:nvPr/>
-      </p:nvGrpSpPr>
-      <p:grpSpPr bwMode="auto">
-        <a:xfrm>
-          <a:off x="0" y="0"/>
-          <a:ext cx="0" cy="0"/>
-          <a:chOff x="0" y="0"/>
-          <a:chExt cx="0" cy="0"/>
-        </a:xfrm>
-      </p:grpSpPr>
-      <p:sp>
-        <p:nvSpPr>
-          <p:cNvPr id="4" name="Заголовок 3"/>
-          <p:cNvSpPr>
-            <a:spLocks noGrp="1"/>
-          </p:cNvSpPr>
-          <p:nvPr>
-            <p:ph type="title"/>
-          </p:nvPr>
-        </p:nvSpPr>
-        <p:spPr bwMode="auto"/>
-        <p:txBody>
-          <a:bodyPr/>
-          <a:lstStyle/>
-          <a:p>
-            <a:pPr>
-              <a:defRPr/>
-            </a:pPr>
-            <a:r>
-              <a:rPr lang="ru-RU" dirty="0"/>
-              <a:t>ВВЕДЕНИЕ</a:t>
-            </a:r>
-            <a:endParaRPr dirty="0"/>
-          </a:p>
-        </p:txBody>
-      </p:sp>
-      <p:sp>
-        <p:nvSpPr>
-          <p:cNvPr id="2" name="Прямоугольник 1"/>
-          <p:cNvSpPr/>
-          <p:nvPr/>
-        </p:nvSpPr>
-        <p:spPr bwMode="auto">
-          <a:xfrm>
-            <a:off x="785118" y="1639125"/>
-            <a:ext cx="9932893" cy="369332"/>
-          </a:xfrm>
-          <a:prstGeom prst="rect">
-            <a:avLst/>
-          </a:prstGeom>
-        </p:spPr>
-        <p:txBody>
-          <a:bodyPr wrap="square">
-            <a:spAutoFit/>
-          </a:bodyPr>
-          <a:lstStyle/>
-          <a:p>
-            <a:pPr>
-              <a:defRPr/>
-            </a:pPr>
-            <a:r>
-              <a:rPr lang="ru-RU" sz="1800" b="1">
-                <a:solidFill>
-                  <a:srgbClr val="000000"/>
-                </a:solidFill>
-                <a:latin typeface="Times New Roman"/>
-                <a:ea typeface="Calibri"/>
-                <a:cs typeface="Times New Roman"/>
-              </a:rPr>
-              <a:t>Цель данного проекта:</a:t>
-            </a:r>
-            <a:endParaRPr lang="ru-RU">
-              <a:solidFill>
-                <a:srgbClr val="4C4291"/>
-              </a:solidFill>
-            </a:endParaRPr>
-          </a:p>
-        </p:txBody>
-      </p:sp>
-      <p:sp>
-        <p:nvSpPr>
-          <p:cNvPr id="5" name="TextBox 4"/>
-          <p:cNvSpPr txBox="1"/>
-          <p:nvPr/>
-        </p:nvSpPr>
-        <p:spPr bwMode="auto">
-          <a:xfrm>
-            <a:off x="732985" y="2413337"/>
-            <a:ext cx="10570803" cy="646331"/>
-          </a:xfrm>
-          <a:prstGeom prst="rect">
-            <a:avLst/>
-          </a:prstGeom>
-          <a:noFill/>
-        </p:spPr>
-        <p:txBody>
-          <a:bodyPr wrap="square">
-            <a:spAutoFit/>
-          </a:bodyPr>
-          <a:lstStyle/>
-          <a:p>
-            <a:pPr>
-              <a:defRPr/>
-            </a:pPr>
-            <a:r>
-              <a:rPr lang="ru-RU" b="1" dirty="0"/>
-              <a:t>Задачи:</a:t>
-            </a:r>
-            <a:endParaRPr dirty="0"/>
-          </a:p>
-          <a:p>
-            <a:pPr>
-              <a:defRPr/>
-            </a:pPr>
-            <a:r>
-              <a:rPr lang="ru-RU" dirty="0"/>
-              <a:t>1.</a:t>
-            </a:r>
-          </a:p>
-        </p:txBody>
-      </p:sp>
-      <p:sp>
-        <p:nvSpPr>
-          <p:cNvPr id="7" name="TextBox 6"/>
-          <p:cNvSpPr txBox="1"/>
-          <p:nvPr/>
-        </p:nvSpPr>
-        <p:spPr bwMode="auto">
-          <a:xfrm>
-            <a:off x="732985" y="4480210"/>
-            <a:ext cx="6096000" cy="369332"/>
-          </a:xfrm>
-          <a:prstGeom prst="rect">
-            <a:avLst/>
-          </a:prstGeom>
-          <a:noFill/>
-        </p:spPr>
-        <p:txBody>
-          <a:bodyPr wrap="square">
-            <a:spAutoFit/>
-          </a:bodyPr>
-          <a:lstStyle/>
-          <a:p>
-            <a:pPr>
-              <a:defRPr/>
-            </a:pPr>
-            <a:r>
-              <a:rPr lang="ru-RU" b="1"/>
-              <a:t>Актуальность темы</a:t>
-            </a:r>
-            <a:r>
-              <a:rPr lang="ru-RU"/>
-              <a:t>: 	</a:t>
-            </a:r>
-            <a:endParaRPr/>
-          </a:p>
-        </p:txBody>
-      </p:sp>
-    </p:spTree>
-  </p:cSld>
-  <p:clrMapOvr>
-    <a:masterClrMapping/>
-  </p:clrMapOvr>
-</p:sld>
-</file>
-
-<file path=ppt/slides/slide3.xml><?xml version="1.0" encoding="utf-8"?>
-<p:sld xmlns:a="http://schemas.openxmlformats.org/drawingml/2006/main" xmlns:r="http://schemas.openxmlformats.org/officeDocument/2006/relationships" xmlns:p="http://schemas.openxmlformats.org/presentationml/2006/main">
-  <p:cSld>
-    <p:spTree>
-      <p:nvGrpSpPr>
-        <p:cNvPr id="1" name=""/>
-        <p:cNvGrpSpPr/>
-        <p:nvPr/>
-      </p:nvGrpSpPr>
-      <p:grpSpPr>
-        <a:xfrm>
-          <a:off x="0" y="0"/>
-          <a:ext cx="0" cy="0"/>
-          <a:chOff x="0" y="0"/>
-          <a:chExt cx="0" cy="0"/>
-        </a:xfrm>
-      </p:grpSpPr>
-      <p:sp>
-        <p:nvSpPr>
-          <p:cNvPr id="2" name="Заголовок 1">
-            <a:extLst>
-              <a:ext uri="{FF2B5EF4-FFF2-40B4-BE49-F238E27FC236}">
-                <a16:creationId xmlns:a16="http://schemas.microsoft.com/office/drawing/2014/main" id="{1A2E9A41-E755-48C3-83C3-3F9102FD5C9E}"/>
-              </a:ext>
-            </a:extLst>
-          </p:cNvPr>
-          <p:cNvSpPr>
-            <a:spLocks noGrp="1"/>
-          </p:cNvSpPr>
-          <p:nvPr>
-            <p:ph type="title"/>
-          </p:nvPr>
-        </p:nvSpPr>
-        <p:spPr/>
-        <p:txBody>
-          <a:bodyPr/>
-          <a:lstStyle/>
-          <a:p>
-            <a:r>
-              <a:rPr lang="ru-RU" dirty="0"/>
-              <a:t>Актуальность</a:t>
-            </a:r>
-          </a:p>
-        </p:txBody>
-      </p:sp>
-      <p:sp>
-        <p:nvSpPr>
-          <p:cNvPr id="3" name="Текст 2">
-            <a:extLst>
-              <a:ext uri="{FF2B5EF4-FFF2-40B4-BE49-F238E27FC236}">
-                <a16:creationId xmlns:a16="http://schemas.microsoft.com/office/drawing/2014/main" id="{1727EE11-8B84-4EDF-9394-B3C24A06ED66}"/>
-              </a:ext>
-            </a:extLst>
-          </p:cNvPr>
-          <p:cNvSpPr>
-            <a:spLocks noGrp="1"/>
-          </p:cNvSpPr>
-          <p:nvPr>
-            <p:ph type="body" sz="quarter" idx="11"/>
-          </p:nvPr>
-        </p:nvSpPr>
-        <p:spPr/>
-        <p:txBody>
-          <a:bodyPr/>
-          <a:lstStyle/>
-          <a:p>
-            <a:endParaRPr lang="ru-RU" dirty="0"/>
-          </a:p>
-        </p:txBody>
-      </p:sp>
-      <p:pic>
-        <p:nvPicPr>
-          <p:cNvPr id="11" name="Объект 10">
-            <a:extLst>
-              <a:ext uri="{FF2B5EF4-FFF2-40B4-BE49-F238E27FC236}">
-                <a16:creationId xmlns:a16="http://schemas.microsoft.com/office/drawing/2014/main" id="{3DE0C43D-511A-4F4F-B328-F7EE9837D577}"/>
-              </a:ext>
-            </a:extLst>
-          </p:cNvPr>
-          <p:cNvPicPr>
-            <a:picLocks noGrp="1" noChangeAspect="1"/>
-          </p:cNvPicPr>
-          <p:nvPr>
-            <p:ph idx="12"/>
-          </p:nvPr>
-        </p:nvPicPr>
-        <p:blipFill>
-          <a:blip r:embed="rId2"/>
-          <a:stretch>
-            <a:fillRect/>
-          </a:stretch>
-        </p:blipFill>
-        <p:spPr>
-          <a:xfrm>
-            <a:off x="6452495" y="1227746"/>
-            <a:ext cx="3652589" cy="4989512"/>
-          </a:xfrm>
-        </p:spPr>
-      </p:pic>
-      <p:sp>
-        <p:nvSpPr>
-          <p:cNvPr id="12" name="Текст 4">
-            <a:extLst>
-              <a:ext uri="{FF2B5EF4-FFF2-40B4-BE49-F238E27FC236}">
-                <a16:creationId xmlns:a16="http://schemas.microsoft.com/office/drawing/2014/main" id="{50FDF164-8B45-4B8E-8133-D4B4116DD656}"/>
-              </a:ext>
-            </a:extLst>
-          </p:cNvPr>
-          <p:cNvSpPr>
-            <a:spLocks noGrp="1"/>
-          </p:cNvSpPr>
-          <p:nvPr>
-            <p:ph type="body" sz="quarter" idx="13"/>
-          </p:nvPr>
-        </p:nvSpPr>
-        <p:spPr>
-          <a:xfrm>
-            <a:off x="838198" y="1952472"/>
-            <a:ext cx="5147663" cy="4337568"/>
-          </a:xfrm>
-        </p:spPr>
-        <p:txBody>
-          <a:bodyPr/>
-          <a:lstStyle/>
-          <a:p>
-            <a:endParaRPr lang="ru-RU" dirty="0"/>
-          </a:p>
-        </p:txBody>
-      </p:sp>
-      <p:sp>
-        <p:nvSpPr>
-          <p:cNvPr id="13" name="TextBox 12">
-            <a:extLst>
-              <a:ext uri="{FF2B5EF4-FFF2-40B4-BE49-F238E27FC236}">
-                <a16:creationId xmlns:a16="http://schemas.microsoft.com/office/drawing/2014/main" id="{376FF576-68CC-40A9-AD91-9BABF39060E3}"/>
-              </a:ext>
-            </a:extLst>
-          </p:cNvPr>
-          <p:cNvSpPr txBox="1"/>
-          <p:nvPr/>
-        </p:nvSpPr>
-        <p:spPr bwMode="auto">
-          <a:xfrm>
-            <a:off x="6096000" y="412624"/>
-            <a:ext cx="4365580" cy="646331"/>
-          </a:xfrm>
-          <a:prstGeom prst="rect">
-            <a:avLst/>
-          </a:prstGeom>
-          <a:noFill/>
-        </p:spPr>
-        <p:txBody>
-          <a:bodyPr wrap="square">
-            <a:spAutoFit/>
-          </a:bodyPr>
-          <a:lstStyle/>
-          <a:p>
-            <a:pPr>
-              <a:defRPr/>
-            </a:pPr>
-            <a:r>
-              <a:rPr lang="ru-RU" b="1" dirty="0"/>
-              <a:t>Топ 10 самых востребованных навыков на Российском рынке вакансий</a:t>
-            </a:r>
-            <a:endParaRPr lang="ru-RU" dirty="0"/>
-          </a:p>
-        </p:txBody>
-      </p:sp>
-    </p:spTree>
-    <p:extLst>
-      <p:ext uri="{BB962C8B-B14F-4D97-AF65-F5344CB8AC3E}">
-        <p14:creationId xmlns:p14="http://schemas.microsoft.com/office/powerpoint/2010/main" val="1995580403"/>
-      </p:ext>
-    </p:extLst>
-  </p:cSld>
-  <p:clrMapOvr>
-    <a:masterClrMapping/>
-  </p:clrMapOvr>
-</p:sld>
-</file>
-
-<file path=ppt/slides/slide4.xml><?xml version="1.0" encoding="utf-8"?>
-<p:sld xmlns:a="http://schemas.openxmlformats.org/drawingml/2006/main" xmlns:r="http://schemas.openxmlformats.org/officeDocument/2006/relationships" xmlns:p="http://schemas.openxmlformats.org/presentationml/2006/main" showMasterPhAnim="0">
-  <p:cSld>
-    <p:spTree>
-      <p:nvGrpSpPr>
-        <p:cNvPr id="1" name=""/>
-        <p:cNvGrpSpPr/>
-        <p:nvPr/>
-      </p:nvGrpSpPr>
-      <p:grpSpPr bwMode="auto">
-        <a:xfrm>
-          <a:off x="0" y="0"/>
-          <a:ext cx="0" cy="0"/>
-          <a:chOff x="0" y="0"/>
-          <a:chExt cx="0" cy="0"/>
-        </a:xfrm>
-      </p:grpSpPr>
-      <p:sp>
-        <p:nvSpPr>
-          <p:cNvPr id="6" name="Заголовок 5"/>
-          <p:cNvSpPr>
-            <a:spLocks noGrp="1"/>
-          </p:cNvSpPr>
-          <p:nvPr>
-            <p:ph type="title"/>
-          </p:nvPr>
-        </p:nvSpPr>
-        <p:spPr bwMode="auto"/>
-        <p:txBody>
-          <a:bodyPr/>
-          <a:lstStyle/>
-          <a:p>
-            <a:pPr>
-              <a:defRPr/>
-            </a:pPr>
-            <a:r>
-              <a:rPr lang="ru-RU"/>
-              <a:t>ТЕОРИТИЧЕСКАЯ ЧАСТЬ</a:t>
-            </a:r>
-            <a:endParaRPr/>
-          </a:p>
-        </p:txBody>
-      </p:sp>
-      <p:sp>
-        <p:nvSpPr>
-          <p:cNvPr id="7" name="Текст 6"/>
-          <p:cNvSpPr>
-            <a:spLocks noGrp="1"/>
-          </p:cNvSpPr>
-          <p:nvPr>
-            <p:ph type="body" sz="quarter" idx="10"/>
-          </p:nvPr>
-        </p:nvSpPr>
-        <p:spPr bwMode="auto"/>
-        <p:txBody>
-          <a:bodyPr/>
-          <a:lstStyle/>
-          <a:p>
-            <a:pPr>
-              <a:defRPr/>
-            </a:pPr>
-            <a:endParaRPr lang="ru-RU"/>
-          </a:p>
-        </p:txBody>
-      </p:sp>
-    </p:spTree>
-  </p:cSld>
-  <p:clrMapOvr>
-    <a:masterClrMapping/>
-  </p:clrMapOvr>
-</p:sld>
-</file>
-
-<file path=ppt/slides/slide5.xml><?xml version="1.0" encoding="utf-8"?>
 <p:sld xmlns:a="http://schemas.openxmlformats.org/drawingml/2006/main" xmlns:r="http://schemas.openxmlformats.org/officeDocument/2006/relationships" xmlns:p="http://schemas.openxmlformats.org/presentationml/2006/main" showMasterPhAnim="0">
   <p:cSld>
     <p:spTree>
@@ -5060,7 +4591,7 @@
 </p:sld>
 </file>
 
-<file path=ppt/slides/slide6.xml><?xml version="1.0" encoding="utf-8"?>
+<file path=ppt/slides/slide11.xml><?xml version="1.0" encoding="utf-8"?>
 <p:sld xmlns:a="http://schemas.openxmlformats.org/drawingml/2006/main" xmlns:r="http://schemas.openxmlformats.org/officeDocument/2006/relationships" xmlns:p="http://schemas.openxmlformats.org/presentationml/2006/main" showMasterPhAnim="0">
   <p:cSld>
     <p:spTree>
@@ -5133,7 +4664,7 @@
 </p:sld>
 </file>
 
-<file path=ppt/slides/slide7.xml><?xml version="1.0" encoding="utf-8"?>
+<file path=ppt/slides/slide12.xml><?xml version="1.0" encoding="utf-8"?>
 <p:sld xmlns:a="http://schemas.openxmlformats.org/drawingml/2006/main" xmlns:r="http://schemas.openxmlformats.org/officeDocument/2006/relationships" xmlns:p="http://schemas.openxmlformats.org/presentationml/2006/main" showMasterPhAnim="0">
   <p:cSld>
     <p:spTree>
@@ -5184,7 +4715,7 @@
 </p:sld>
 </file>
 
-<file path=ppt/slides/slide8.xml><?xml version="1.0" encoding="utf-8"?>
+<file path=ppt/slides/slide13.xml><?xml version="1.0" encoding="utf-8"?>
 <p:sld xmlns:a="http://schemas.openxmlformats.org/drawingml/2006/main" xmlns:r="http://schemas.openxmlformats.org/officeDocument/2006/relationships" xmlns:p="http://schemas.openxmlformats.org/presentationml/2006/main" showMasterPhAnim="0">
   <p:cSld>
     <p:spTree>
@@ -5285,6 +4816,1960 @@
         </p:txBody>
       </p:sp>
     </p:spTree>
+  </p:cSld>
+  <p:clrMapOvr>
+    <a:masterClrMapping/>
+  </p:clrMapOvr>
+</p:sld>
+</file>
+
+<file path=ppt/slides/slide14.xml><?xml version="1.0" encoding="utf-8"?>
+<p:sld xmlns:a="http://schemas.openxmlformats.org/drawingml/2006/main" xmlns:r="http://schemas.openxmlformats.org/officeDocument/2006/relationships" xmlns:p="http://schemas.openxmlformats.org/presentationml/2006/main" showMasterPhAnim="0">
+  <p:cSld>
+    <p:spTree>
+      <p:nvGrpSpPr>
+        <p:cNvPr id="1" name=""/>
+        <p:cNvGrpSpPr/>
+        <p:nvPr/>
+      </p:nvGrpSpPr>
+      <p:grpSpPr bwMode="auto">
+        <a:xfrm>
+          <a:off x="0" y="0"/>
+          <a:ext cx="0" cy="0"/>
+          <a:chOff x="0" y="0"/>
+          <a:chExt cx="0" cy="0"/>
+        </a:xfrm>
+      </p:grpSpPr>
+      <p:sp>
+        <p:nvSpPr>
+          <p:cNvPr id="2" name="Заголовок 1"/>
+          <p:cNvSpPr>
+            <a:spLocks noGrp="1"/>
+          </p:cNvSpPr>
+          <p:nvPr>
+            <p:ph type="title"/>
+          </p:nvPr>
+        </p:nvSpPr>
+        <p:spPr bwMode="auto">
+          <a:xfrm>
+            <a:off x="1106500" y="328229"/>
+            <a:ext cx="7203311" cy="815122"/>
+          </a:xfrm>
+        </p:spPr>
+        <p:txBody>
+          <a:bodyPr/>
+          <a:lstStyle/>
+          <a:p>
+            <a:pPr>
+              <a:defRPr/>
+            </a:pPr>
+            <a:r>
+              <a:rPr lang="ru-RU"/>
+              <a:t>Список литературы</a:t>
+            </a:r>
+          </a:p>
+        </p:txBody>
+      </p:sp>
+      <p:sp>
+        <p:nvSpPr>
+          <p:cNvPr id="4" name="Объект 3"/>
+          <p:cNvSpPr>
+            <a:spLocks noGrp="1"/>
+          </p:cNvSpPr>
+          <p:nvPr>
+            <p:ph idx="12"/>
+          </p:nvPr>
+        </p:nvSpPr>
+        <p:spPr bwMode="auto">
+          <a:xfrm>
+            <a:off x="835352" y="1352119"/>
+            <a:ext cx="11356648" cy="4840863"/>
+          </a:xfrm>
+        </p:spPr>
+        <p:txBody>
+          <a:bodyPr>
+            <a:normAutofit/>
+          </a:bodyPr>
+          <a:lstStyle/>
+          <a:p>
+            <a:pPr algn="just">
+              <a:lnSpc>
+                <a:spcPct val="100000"/>
+              </a:lnSpc>
+              <a:defRPr/>
+            </a:pPr>
+            <a:r>
+              <a:rPr lang="ru-RU" sz="2000">
+                <a:solidFill>
+                  <a:schemeClr val="tx1"/>
+                </a:solidFill>
+                <a:latin typeface="Times New Roman"/>
+                <a:cs typeface="Times New Roman"/>
+              </a:rPr>
+              <a:t>.</a:t>
+            </a:r>
+          </a:p>
+          <a:p>
+            <a:pPr>
+              <a:defRPr/>
+            </a:pPr>
+            <a:endParaRPr lang="ru-RU" sz="2000">
+              <a:solidFill>
+                <a:schemeClr val="tx1"/>
+              </a:solidFill>
+              <a:latin typeface="Times New Roman"/>
+              <a:cs typeface="Times New Roman"/>
+            </a:endParaRPr>
+          </a:p>
+        </p:txBody>
+      </p:sp>
+    </p:spTree>
+  </p:cSld>
+  <p:clrMapOvr>
+    <a:masterClrMapping/>
+  </p:clrMapOvr>
+</p:sld>
+</file>
+
+<file path=ppt/slides/slide15.xml><?xml version="1.0" encoding="utf-8"?>
+<p:sld xmlns:a="http://schemas.openxmlformats.org/drawingml/2006/main" xmlns:r="http://schemas.openxmlformats.org/officeDocument/2006/relationships" xmlns:p="http://schemas.openxmlformats.org/presentationml/2006/main" showMasterPhAnim="0">
+  <p:cSld>
+    <p:spTree>
+      <p:nvGrpSpPr>
+        <p:cNvPr id="1" name=""/>
+        <p:cNvGrpSpPr/>
+        <p:nvPr/>
+      </p:nvGrpSpPr>
+      <p:grpSpPr bwMode="auto">
+        <a:xfrm>
+          <a:off x="0" y="0"/>
+          <a:ext cx="0" cy="0"/>
+          <a:chOff x="0" y="0"/>
+          <a:chExt cx="0" cy="0"/>
+        </a:xfrm>
+      </p:grpSpPr>
+      <p:sp>
+        <p:nvSpPr>
+          <p:cNvPr id="11" name="Заголовок 10"/>
+          <p:cNvSpPr>
+            <a:spLocks noGrp="1"/>
+          </p:cNvSpPr>
+          <p:nvPr>
+            <p:ph type="title"/>
+          </p:nvPr>
+        </p:nvSpPr>
+        <p:spPr bwMode="auto"/>
+        <p:txBody>
+          <a:bodyPr/>
+          <a:lstStyle/>
+          <a:p>
+            <a:pPr>
+              <a:defRPr/>
+            </a:pPr>
+            <a:r>
+              <a:rPr lang="ru-RU"/>
+              <a:t>Спасибо за внимание</a:t>
+            </a:r>
+            <a:endParaRPr/>
+          </a:p>
+        </p:txBody>
+      </p:sp>
+      <p:sp>
+        <p:nvSpPr>
+          <p:cNvPr id="12" name="Текст 11"/>
+          <p:cNvSpPr>
+            <a:spLocks noGrp="1"/>
+          </p:cNvSpPr>
+          <p:nvPr>
+            <p:ph type="body" sz="quarter" idx="10"/>
+          </p:nvPr>
+        </p:nvSpPr>
+        <p:spPr bwMode="auto"/>
+        <p:txBody>
+          <a:bodyPr/>
+          <a:lstStyle/>
+          <a:p>
+            <a:pPr>
+              <a:defRPr/>
+            </a:pPr>
+            <a:endParaRPr lang="ru-RU"/>
+          </a:p>
+        </p:txBody>
+      </p:sp>
+    </p:spTree>
+  </p:cSld>
+  <p:clrMapOvr>
+    <a:masterClrMapping/>
+  </p:clrMapOvr>
+</p:sld>
+</file>
+
+<file path=ppt/slides/slide2.xml><?xml version="1.0" encoding="utf-8"?>
+<p:sld xmlns:a="http://schemas.openxmlformats.org/drawingml/2006/main" xmlns:r="http://schemas.openxmlformats.org/officeDocument/2006/relationships" xmlns:p="http://schemas.openxmlformats.org/presentationml/2006/main" showMasterPhAnim="0">
+  <p:cSld>
+    <p:spTree>
+      <p:nvGrpSpPr>
+        <p:cNvPr id="1" name=""/>
+        <p:cNvGrpSpPr/>
+        <p:nvPr/>
+      </p:nvGrpSpPr>
+      <p:grpSpPr bwMode="auto">
+        <a:xfrm>
+          <a:off x="0" y="0"/>
+          <a:ext cx="0" cy="0"/>
+          <a:chOff x="0" y="0"/>
+          <a:chExt cx="0" cy="0"/>
+        </a:xfrm>
+      </p:grpSpPr>
+      <p:sp>
+        <p:nvSpPr>
+          <p:cNvPr id="4" name="Заголовок 3"/>
+          <p:cNvSpPr>
+            <a:spLocks noGrp="1"/>
+          </p:cNvSpPr>
+          <p:nvPr>
+            <p:ph type="title"/>
+          </p:nvPr>
+        </p:nvSpPr>
+        <p:spPr bwMode="auto"/>
+        <p:txBody>
+          <a:bodyPr/>
+          <a:lstStyle/>
+          <a:p>
+            <a:pPr>
+              <a:defRPr/>
+            </a:pPr>
+            <a:r>
+              <a:rPr lang="ru-RU" dirty="0"/>
+              <a:t>ВВЕДЕНИЕ</a:t>
+            </a:r>
+            <a:endParaRPr dirty="0"/>
+          </a:p>
+        </p:txBody>
+      </p:sp>
+      <p:sp>
+        <p:nvSpPr>
+          <p:cNvPr id="2" name="Прямоугольник 1"/>
+          <p:cNvSpPr/>
+          <p:nvPr/>
+        </p:nvSpPr>
+        <p:spPr bwMode="auto">
+          <a:xfrm>
+            <a:off x="610436" y="1695562"/>
+            <a:ext cx="9932893" cy="1143070"/>
+          </a:xfrm>
+          <a:prstGeom prst="rect">
+            <a:avLst/>
+          </a:prstGeom>
+        </p:spPr>
+        <p:txBody>
+          <a:bodyPr wrap="square">
+            <a:spAutoFit/>
+          </a:bodyPr>
+          <a:lstStyle/>
+          <a:p>
+            <a:pPr>
+              <a:lnSpc>
+                <a:spcPct val="150000"/>
+              </a:lnSpc>
+              <a:defRPr/>
+            </a:pPr>
+            <a:r>
+              <a:rPr lang="ru-RU" sz="2400" b="1" dirty="0">
+                <a:solidFill>
+                  <a:srgbClr val="002060"/>
+                </a:solidFill>
+                <a:ea typeface="Calibri"/>
+                <a:cs typeface="Times New Roman"/>
+              </a:rPr>
+              <a:t>Цель данного проекта:</a:t>
+            </a:r>
+            <a:endParaRPr lang="en-US" sz="2400" b="1" dirty="0">
+              <a:solidFill>
+                <a:srgbClr val="002060"/>
+              </a:solidFill>
+              <a:ea typeface="Calibri"/>
+              <a:cs typeface="Times New Roman"/>
+            </a:endParaRPr>
+          </a:p>
+          <a:p>
+            <a:pPr marL="108000">
+              <a:lnSpc>
+                <a:spcPct val="150000"/>
+              </a:lnSpc>
+              <a:defRPr/>
+            </a:pPr>
+            <a:r>
+              <a:rPr lang="ru-RU" sz="2400" dirty="0">
+                <a:solidFill>
+                  <a:srgbClr val="002060"/>
+                </a:solidFill>
+              </a:rPr>
+              <a:t>Разработать материалы по контейнеризации Python-приложений.</a:t>
+            </a:r>
+          </a:p>
+        </p:txBody>
+      </p:sp>
+      <p:sp>
+        <p:nvSpPr>
+          <p:cNvPr id="5" name="TextBox 4"/>
+          <p:cNvSpPr txBox="1"/>
+          <p:nvPr/>
+        </p:nvSpPr>
+        <p:spPr bwMode="auto">
+          <a:xfrm>
+            <a:off x="610436" y="2894104"/>
+            <a:ext cx="10570803" cy="3359061"/>
+          </a:xfrm>
+          <a:prstGeom prst="rect">
+            <a:avLst/>
+          </a:prstGeom>
+          <a:noFill/>
+        </p:spPr>
+        <p:txBody>
+          <a:bodyPr wrap="square">
+            <a:spAutoFit/>
+          </a:bodyPr>
+          <a:lstStyle/>
+          <a:p>
+            <a:pPr>
+              <a:lnSpc>
+                <a:spcPct val="150000"/>
+              </a:lnSpc>
+              <a:defRPr/>
+            </a:pPr>
+            <a:r>
+              <a:rPr lang="ru-RU" sz="2400" b="1" dirty="0">
+                <a:solidFill>
+                  <a:srgbClr val="002060"/>
+                </a:solidFill>
+              </a:rPr>
+              <a:t>Задачи:</a:t>
+            </a:r>
+            <a:endParaRPr sz="2400" dirty="0">
+              <a:solidFill>
+                <a:srgbClr val="002060"/>
+              </a:solidFill>
+            </a:endParaRPr>
+          </a:p>
+          <a:p>
+            <a:pPr marL="144000">
+              <a:lnSpc>
+                <a:spcPct val="150000"/>
+              </a:lnSpc>
+              <a:buFont typeface="+mj-lt"/>
+              <a:buAutoNum type="arabicPeriod"/>
+            </a:pPr>
+            <a:r>
+              <a:rPr lang="ru-RU" sz="2400" dirty="0">
+                <a:solidFill>
+                  <a:srgbClr val="002060"/>
+                </a:solidFill>
+              </a:rPr>
+              <a:t>Изучить теорию Docker.</a:t>
+            </a:r>
+          </a:p>
+          <a:p>
+            <a:pPr marL="144000">
+              <a:lnSpc>
+                <a:spcPct val="150000"/>
+              </a:lnSpc>
+              <a:buFont typeface="+mj-lt"/>
+              <a:buAutoNum type="arabicPeriod"/>
+            </a:pPr>
+            <a:r>
+              <a:rPr lang="ru-RU" sz="2400" dirty="0">
+                <a:solidFill>
+                  <a:srgbClr val="002060"/>
+                </a:solidFill>
+              </a:rPr>
+              <a:t>Создать Dockerfile и вспомогательные файлы.</a:t>
+            </a:r>
+          </a:p>
+          <a:p>
+            <a:pPr marL="144000">
+              <a:lnSpc>
+                <a:spcPct val="150000"/>
+              </a:lnSpc>
+              <a:buFont typeface="+mj-lt"/>
+              <a:buAutoNum type="arabicPeriod"/>
+            </a:pPr>
+            <a:r>
+              <a:rPr lang="ru-RU" sz="2400" dirty="0">
+                <a:solidFill>
+                  <a:srgbClr val="002060"/>
+                </a:solidFill>
+              </a:rPr>
+              <a:t>Разработать 2 Python-бота (</a:t>
+            </a:r>
+            <a:r>
+              <a:rPr lang="ru-RU" sz="2400" dirty="0" err="1">
+                <a:solidFill>
+                  <a:srgbClr val="002060"/>
+                </a:solidFill>
+              </a:rPr>
+              <a:t>Telegram</a:t>
+            </a:r>
+            <a:r>
+              <a:rPr lang="ru-RU" sz="2400" dirty="0">
+                <a:solidFill>
+                  <a:srgbClr val="002060"/>
+                </a:solidFill>
+              </a:rPr>
+              <a:t> и </a:t>
+            </a:r>
+            <a:r>
+              <a:rPr lang="ru-RU" sz="2400" dirty="0" err="1">
+                <a:solidFill>
+                  <a:srgbClr val="002060"/>
+                </a:solidFill>
+              </a:rPr>
+              <a:t>Discord</a:t>
+            </a:r>
+            <a:r>
+              <a:rPr lang="ru-RU" sz="2400" dirty="0">
+                <a:solidFill>
+                  <a:srgbClr val="002060"/>
+                </a:solidFill>
+              </a:rPr>
+              <a:t>).</a:t>
+            </a:r>
+          </a:p>
+          <a:p>
+            <a:pPr marL="144000">
+              <a:lnSpc>
+                <a:spcPct val="150000"/>
+              </a:lnSpc>
+              <a:buFont typeface="+mj-lt"/>
+              <a:buAutoNum type="arabicPeriod"/>
+            </a:pPr>
+            <a:r>
+              <a:rPr lang="ru-RU" sz="2400" dirty="0">
+                <a:solidFill>
+                  <a:srgbClr val="002060"/>
+                </a:solidFill>
+              </a:rPr>
+              <a:t>Собрать образы и развернуть их на Back4App.</a:t>
+            </a:r>
+          </a:p>
+          <a:p>
+            <a:pPr>
+              <a:lnSpc>
+                <a:spcPct val="150000"/>
+              </a:lnSpc>
+              <a:defRPr/>
+            </a:pPr>
+            <a:endParaRPr lang="ru-RU" sz="2400" dirty="0">
+              <a:solidFill>
+                <a:srgbClr val="002060"/>
+              </a:solidFill>
+            </a:endParaRPr>
+          </a:p>
+        </p:txBody>
+      </p:sp>
+    </p:spTree>
+  </p:cSld>
+  <p:clrMapOvr>
+    <a:masterClrMapping/>
+  </p:clrMapOvr>
+</p:sld>
+</file>
+
+<file path=ppt/slides/slide3.xml><?xml version="1.0" encoding="utf-8"?>
+<p:sld xmlns:a="http://schemas.openxmlformats.org/drawingml/2006/main" xmlns:r="http://schemas.openxmlformats.org/officeDocument/2006/relationships" xmlns:p="http://schemas.openxmlformats.org/presentationml/2006/main">
+  <p:cSld>
+    <p:spTree>
+      <p:nvGrpSpPr>
+        <p:cNvPr id="1" name=""/>
+        <p:cNvGrpSpPr/>
+        <p:nvPr/>
+      </p:nvGrpSpPr>
+      <p:grpSpPr>
+        <a:xfrm>
+          <a:off x="0" y="0"/>
+          <a:ext cx="0" cy="0"/>
+          <a:chOff x="0" y="0"/>
+          <a:chExt cx="0" cy="0"/>
+        </a:xfrm>
+      </p:grpSpPr>
+      <p:pic>
+        <p:nvPicPr>
+          <p:cNvPr id="9" name="Рисунок 8">
+            <a:extLst>
+              <a:ext uri="{FF2B5EF4-FFF2-40B4-BE49-F238E27FC236}">
+                <a16:creationId xmlns:a16="http://schemas.microsoft.com/office/drawing/2014/main" id="{7F724EF4-CA56-4F14-818B-987B15373C8B}"/>
+              </a:ext>
+            </a:extLst>
+          </p:cNvPr>
+          <p:cNvPicPr>
+            <a:picLocks noChangeAspect="1"/>
+          </p:cNvPicPr>
+          <p:nvPr/>
+        </p:nvPicPr>
+        <p:blipFill>
+          <a:blip r:embed="rId2">
+            <a:extLst>
+              <a:ext uri="{28A0092B-C50C-407E-A947-70E740481C1C}">
+                <a14:useLocalDpi xmlns:a14="http://schemas.microsoft.com/office/drawing/2010/main" val="0"/>
+              </a:ext>
+            </a:extLst>
+          </a:blip>
+          <a:stretch>
+            <a:fillRect/>
+          </a:stretch>
+        </p:blipFill>
+        <p:spPr>
+          <a:xfrm>
+            <a:off x="5985863" y="1489419"/>
+            <a:ext cx="5640498" cy="4069015"/>
+          </a:xfrm>
+          <a:prstGeom prst="rect">
+            <a:avLst/>
+          </a:prstGeom>
+        </p:spPr>
+      </p:pic>
+      <p:sp>
+        <p:nvSpPr>
+          <p:cNvPr id="2" name="Заголовок 1">
+            <a:extLst>
+              <a:ext uri="{FF2B5EF4-FFF2-40B4-BE49-F238E27FC236}">
+                <a16:creationId xmlns:a16="http://schemas.microsoft.com/office/drawing/2014/main" id="{C5D98502-C1B2-4B0C-BDA8-366B4C17E9DF}"/>
+              </a:ext>
+            </a:extLst>
+          </p:cNvPr>
+          <p:cNvSpPr>
+            <a:spLocks noGrp="1"/>
+          </p:cNvSpPr>
+          <p:nvPr>
+            <p:ph type="title"/>
+          </p:nvPr>
+        </p:nvSpPr>
+        <p:spPr/>
+        <p:txBody>
+          <a:bodyPr/>
+          <a:lstStyle/>
+          <a:p>
+            <a:r>
+              <a:rPr lang="ru-RU" dirty="0"/>
+              <a:t>Что такое </a:t>
+            </a:r>
+            <a:r>
+              <a:rPr lang="en-US" dirty="0"/>
+              <a:t>Docker?</a:t>
+            </a:r>
+            <a:endParaRPr lang="ru-RU" dirty="0"/>
+          </a:p>
+        </p:txBody>
+      </p:sp>
+      <p:sp>
+        <p:nvSpPr>
+          <p:cNvPr id="5" name="Текст 4">
+            <a:extLst>
+              <a:ext uri="{FF2B5EF4-FFF2-40B4-BE49-F238E27FC236}">
+                <a16:creationId xmlns:a16="http://schemas.microsoft.com/office/drawing/2014/main" id="{D138AB81-4054-4FFF-BFBB-88B97DCA1D07}"/>
+              </a:ext>
+            </a:extLst>
+          </p:cNvPr>
+          <p:cNvSpPr>
+            <a:spLocks noGrp="1"/>
+          </p:cNvSpPr>
+          <p:nvPr>
+            <p:ph type="body" sz="quarter" idx="13"/>
+          </p:nvPr>
+        </p:nvSpPr>
+        <p:spPr>
+          <a:xfrm>
+            <a:off x="770013" y="1489418"/>
+            <a:ext cx="5451678" cy="4912409"/>
+          </a:xfrm>
+        </p:spPr>
+        <p:txBody>
+          <a:bodyPr>
+            <a:normAutofit/>
+          </a:bodyPr>
+          <a:lstStyle/>
+          <a:p>
+            <a:r>
+              <a:rPr lang="ru-RU" b="1" dirty="0"/>
+              <a:t>Контейнер</a:t>
+            </a:r>
+            <a:r>
+              <a:rPr lang="ru-RU" dirty="0"/>
+              <a:t> — легковесная изолированная среда для приложений.</a:t>
+            </a:r>
+          </a:p>
+          <a:p>
+            <a:r>
+              <a:rPr lang="ru-RU" b="1" dirty="0"/>
+              <a:t>Docker</a:t>
+            </a:r>
+            <a:r>
+              <a:rPr lang="ru-RU" dirty="0"/>
+              <a:t> — это платформа для упрощенного создания и запуска контейнеров.</a:t>
+            </a:r>
+          </a:p>
+          <a:p>
+            <a:r>
+              <a:rPr lang="ru-RU" b="1" dirty="0"/>
+              <a:t>Почему именно </a:t>
+            </a:r>
+            <a:r>
+              <a:rPr lang="en-US" b="1" dirty="0"/>
+              <a:t>Docker: </a:t>
+            </a:r>
+            <a:r>
+              <a:rPr lang="ru-RU" dirty="0">
+                <a:effectLst/>
+                <a:ea typeface="Calibri" panose="020F0502020204030204" pitchFamily="34" charset="0"/>
+              </a:rPr>
+              <a:t>Платформа позволяет быстро тестировать и выкладывать приложения, запускать на одной машине требуемое количество контейнеров</a:t>
+            </a:r>
+            <a:r>
+              <a:rPr lang="en-US" dirty="0">
+                <a:effectLst/>
+                <a:ea typeface="Calibri" panose="020F0502020204030204" pitchFamily="34" charset="0"/>
+              </a:rPr>
+              <a:t> </a:t>
+            </a:r>
+            <a:r>
+              <a:rPr lang="ru-RU" dirty="0">
+                <a:effectLst/>
+                <a:ea typeface="Calibri" panose="020F0502020204030204" pitchFamily="34" charset="0"/>
+              </a:rPr>
+              <a:t>что делает её лидером среди малочисленных аналогов.</a:t>
+            </a:r>
+            <a:endParaRPr lang="ru-RU" dirty="0"/>
+          </a:p>
+        </p:txBody>
+      </p:sp>
+    </p:spTree>
+    <p:extLst>
+      <p:ext uri="{BB962C8B-B14F-4D97-AF65-F5344CB8AC3E}">
+        <p14:creationId xmlns:p14="http://schemas.microsoft.com/office/powerpoint/2010/main" val="3594050937"/>
+      </p:ext>
+    </p:extLst>
+  </p:cSld>
+  <p:clrMapOvr>
+    <a:masterClrMapping/>
+  </p:clrMapOvr>
+</p:sld>
+</file>
+
+<file path=ppt/slides/slide4.xml><?xml version="1.0" encoding="utf-8"?>
+<p:sld xmlns:a="http://schemas.openxmlformats.org/drawingml/2006/main" xmlns:r="http://schemas.openxmlformats.org/officeDocument/2006/relationships" xmlns:p="http://schemas.openxmlformats.org/presentationml/2006/main">
+  <p:cSld>
+    <p:spTree>
+      <p:nvGrpSpPr>
+        <p:cNvPr id="1" name=""/>
+        <p:cNvGrpSpPr/>
+        <p:nvPr/>
+      </p:nvGrpSpPr>
+      <p:grpSpPr>
+        <a:xfrm>
+          <a:off x="0" y="0"/>
+          <a:ext cx="0" cy="0"/>
+          <a:chOff x="0" y="0"/>
+          <a:chExt cx="0" cy="0"/>
+        </a:xfrm>
+      </p:grpSpPr>
+      <p:sp>
+        <p:nvSpPr>
+          <p:cNvPr id="2" name="Заголовок 1">
+            <a:extLst>
+              <a:ext uri="{FF2B5EF4-FFF2-40B4-BE49-F238E27FC236}">
+                <a16:creationId xmlns:a16="http://schemas.microsoft.com/office/drawing/2014/main" id="{9490E05F-C3A8-43FC-A474-7803B4969E8A}"/>
+              </a:ext>
+            </a:extLst>
+          </p:cNvPr>
+          <p:cNvSpPr>
+            <a:spLocks noGrp="1"/>
+          </p:cNvSpPr>
+          <p:nvPr>
+            <p:ph type="title"/>
+          </p:nvPr>
+        </p:nvSpPr>
+        <p:spPr/>
+        <p:txBody>
+          <a:bodyPr/>
+          <a:lstStyle/>
+          <a:p>
+            <a:r>
+              <a:rPr lang="ru-RU" dirty="0"/>
+              <a:t>Преимущества </a:t>
+            </a:r>
+            <a:r>
+              <a:rPr lang="en-US" dirty="0"/>
+              <a:t>Docker </a:t>
+            </a:r>
+            <a:r>
+              <a:rPr lang="ru-RU" dirty="0"/>
+              <a:t>контейнеризации</a:t>
+            </a:r>
+          </a:p>
+        </p:txBody>
+      </p:sp>
+      <p:sp>
+        <p:nvSpPr>
+          <p:cNvPr id="9" name="Rectangle 4">
+            <a:extLst>
+              <a:ext uri="{FF2B5EF4-FFF2-40B4-BE49-F238E27FC236}">
+                <a16:creationId xmlns:a16="http://schemas.microsoft.com/office/drawing/2014/main" id="{3C755695-F1B0-4443-A40A-584FFD1ACDC1}"/>
+              </a:ext>
+            </a:extLst>
+          </p:cNvPr>
+          <p:cNvSpPr>
+            <a:spLocks noGrp="1" noChangeArrowheads="1"/>
+          </p:cNvSpPr>
+          <p:nvPr>
+            <p:ph type="body" sz="quarter" idx="13"/>
+          </p:nvPr>
+        </p:nvSpPr>
+        <p:spPr bwMode="auto">
+          <a:xfrm>
+            <a:off x="838197" y="1500116"/>
+            <a:ext cx="5257802" cy="4465838"/>
+          </a:xfrm>
+          <a:prstGeom prst="rect">
+            <a:avLst/>
+          </a:prstGeom>
+          <a:noFill/>
+          <a:ln>
+            <a:noFill/>
+          </a:ln>
+          <a:effectLst/>
+          <a:extLst>
+            <a:ext uri="{909E8E84-426E-40DD-AFC4-6F175D3DCCD1}">
+              <a14:hiddenFill xmlns:a14="http://schemas.microsoft.com/office/drawing/2010/main">
+                <a:solidFill>
+                  <a:schemeClr val="accent1"/>
+                </a:solidFill>
+              </a14:hiddenFill>
+            </a:ext>
+            <a:ext uri="{91240B29-F687-4F45-9708-019B960494DF}">
+              <a14:hiddenLine xmlns:a14="http://schemas.microsoft.com/office/drawing/2010/main" w="9525">
+                <a:solidFill>
+                  <a:schemeClr val="tx1"/>
+                </a:solidFill>
+                <a:miter lim="800000"/>
+                <a:headEnd/>
+                <a:tailEnd/>
+              </a14:hiddenLine>
+            </a:ext>
+            <a:ext uri="{AF507438-7753-43E0-B8FC-AC1667EBCBE1}">
+              <a14:hiddenEffects xmlns:a14="http://schemas.microsoft.com/office/drawing/2010/main">
+                <a:effectLst>
+                  <a:outerShdw dist="35921" dir="2700000" algn="ctr" rotWithShape="0">
+                    <a:schemeClr val="bg2"/>
+                  </a:outerShdw>
+                </a:effectLst>
+              </a14:hiddenEffects>
+            </a:ext>
+          </a:extLst>
+        </p:spPr>
+        <p:txBody>
+          <a:bodyPr vert="horz" wrap="square" lIns="91440" tIns="45720" rIns="91440" bIns="45720" numCol="1" anchor="ctr" anchorCtr="0" compatLnSpc="1">
+            <a:prstTxWarp prst="textNoShape">
+              <a:avLst/>
+            </a:prstTxWarp>
+            <a:spAutoFit/>
+          </a:bodyPr>
+          <a:lstStyle/>
+          <a:p>
+            <a:pPr marL="457200" indent="-457200">
+              <a:buFont typeface="+mj-lt"/>
+              <a:buAutoNum type="arabicPeriod"/>
+            </a:pPr>
+            <a:r>
+              <a:rPr lang="ru-RU" dirty="0">
+                <a:effectLst/>
+              </a:rPr>
+              <a:t>Изоляция приложений, предотвращающая конфликты зависимостей.</a:t>
+            </a:r>
+          </a:p>
+          <a:p>
+            <a:pPr marL="457200" indent="-457200">
+              <a:buFont typeface="+mj-lt"/>
+              <a:buAutoNum type="arabicPeriod"/>
+            </a:pPr>
+            <a:r>
+              <a:rPr lang="ru-RU" dirty="0">
+                <a:effectLst/>
+              </a:rPr>
+              <a:t>Работа на любых системах без изменений, </a:t>
+            </a:r>
+            <a:r>
+              <a:rPr lang="ru-RU" dirty="0"/>
+              <a:t>в следствии </a:t>
+            </a:r>
+            <a:r>
+              <a:rPr lang="ru-RU" dirty="0">
+                <a:effectLst/>
+              </a:rPr>
+              <a:t>простота развёртывания.</a:t>
+            </a:r>
+          </a:p>
+          <a:p>
+            <a:pPr marL="457200" indent="-457200">
+              <a:buFont typeface="+mj-lt"/>
+              <a:buAutoNum type="arabicPeriod"/>
+            </a:pPr>
+            <a:r>
+              <a:rPr lang="ru-RU" dirty="0">
+                <a:effectLst/>
+              </a:rPr>
+              <a:t>Высокая эффективность по сравнению с ВМ.</a:t>
+            </a:r>
+          </a:p>
+          <a:p>
+            <a:pPr marL="457200" indent="-457200">
+              <a:buFont typeface="+mj-lt"/>
+              <a:buAutoNum type="arabicPeriod"/>
+            </a:pPr>
+            <a:r>
+              <a:rPr lang="ru-RU" dirty="0"/>
+              <a:t>Легкая горизонтальная и вертикальная масштабируемость</a:t>
+            </a:r>
+            <a:br>
+              <a:rPr lang="ru-RU" dirty="0">
+                <a:effectLst/>
+              </a:rPr>
+            </a:br>
+            <a:r>
+              <a:rPr lang="ru-RU" dirty="0">
+                <a:effectLst/>
+              </a:rPr>
+              <a:t>к</a:t>
+            </a:r>
+            <a:r>
+              <a:rPr lang="ru-RU" dirty="0"/>
+              <a:t>онтроль </a:t>
+            </a:r>
+            <a:r>
+              <a:rPr lang="ru-RU" dirty="0">
+                <a:effectLst/>
+              </a:rPr>
+              <a:t>версий приложений и зависимостей.</a:t>
+            </a:r>
+          </a:p>
+        </p:txBody>
+      </p:sp>
+      <p:pic>
+        <p:nvPicPr>
+          <p:cNvPr id="1032" name="Picture 8" descr="Picture background">
+            <a:extLst>
+              <a:ext uri="{FF2B5EF4-FFF2-40B4-BE49-F238E27FC236}">
+                <a16:creationId xmlns:a16="http://schemas.microsoft.com/office/drawing/2014/main" id="{28B3F992-1318-46F1-906A-BD42DA34E6E6}"/>
+              </a:ext>
+            </a:extLst>
+          </p:cNvPr>
+          <p:cNvPicPr>
+            <a:picLocks noGrp="1" noChangeAspect="1" noChangeArrowheads="1"/>
+          </p:cNvPicPr>
+          <p:nvPr>
+            <p:ph idx="12"/>
+          </p:nvPr>
+        </p:nvPicPr>
+        <p:blipFill>
+          <a:blip r:embed="rId2">
+            <a:extLst>
+              <a:ext uri="{28A0092B-C50C-407E-A947-70E740481C1C}">
+                <a14:useLocalDpi xmlns:a14="http://schemas.microsoft.com/office/drawing/2010/main" val="0"/>
+              </a:ext>
+            </a:extLst>
+          </a:blip>
+          <a:srcRect/>
+          <a:stretch>
+            <a:fillRect/>
+          </a:stretch>
+        </p:blipFill>
+        <p:spPr bwMode="auto">
+          <a:xfrm>
+            <a:off x="6095999" y="1259560"/>
+            <a:ext cx="5546103" cy="4590185"/>
+          </a:xfrm>
+          <a:prstGeom prst="rect">
+            <a:avLst/>
+          </a:prstGeom>
+          <a:noFill/>
+          <a:extLst>
+            <a:ext uri="{909E8E84-426E-40DD-AFC4-6F175D3DCCD1}">
+              <a14:hiddenFill xmlns:a14="http://schemas.microsoft.com/office/drawing/2010/main">
+                <a:solidFill>
+                  <a:srgbClr val="FFFFFF"/>
+                </a:solidFill>
+              </a14:hiddenFill>
+            </a:ext>
+          </a:extLst>
+        </p:spPr>
+      </p:pic>
+    </p:spTree>
+    <p:extLst>
+      <p:ext uri="{BB962C8B-B14F-4D97-AF65-F5344CB8AC3E}">
+        <p14:creationId xmlns:p14="http://schemas.microsoft.com/office/powerpoint/2010/main" val="183286298"/>
+      </p:ext>
+    </p:extLst>
+  </p:cSld>
+  <p:clrMapOvr>
+    <a:masterClrMapping/>
+  </p:clrMapOvr>
+</p:sld>
+</file>
+
+<file path=ppt/slides/slide5.xml><?xml version="1.0" encoding="utf-8"?>
+<p:sld xmlns:a="http://schemas.openxmlformats.org/drawingml/2006/main" xmlns:r="http://schemas.openxmlformats.org/officeDocument/2006/relationships" xmlns:p="http://schemas.openxmlformats.org/presentationml/2006/main">
+  <p:cSld>
+    <p:spTree>
+      <p:nvGrpSpPr>
+        <p:cNvPr id="1" name=""/>
+        <p:cNvGrpSpPr/>
+        <p:nvPr/>
+      </p:nvGrpSpPr>
+      <p:grpSpPr>
+        <a:xfrm>
+          <a:off x="0" y="0"/>
+          <a:ext cx="0" cy="0"/>
+          <a:chOff x="0" y="0"/>
+          <a:chExt cx="0" cy="0"/>
+        </a:xfrm>
+      </p:grpSpPr>
+      <p:sp>
+        <p:nvSpPr>
+          <p:cNvPr id="2" name="Заголовок 1">
+            <a:extLst>
+              <a:ext uri="{FF2B5EF4-FFF2-40B4-BE49-F238E27FC236}">
+                <a16:creationId xmlns:a16="http://schemas.microsoft.com/office/drawing/2014/main" id="{1A2E9A41-E755-48C3-83C3-3F9102FD5C9E}"/>
+              </a:ext>
+            </a:extLst>
+          </p:cNvPr>
+          <p:cNvSpPr>
+            <a:spLocks noGrp="1"/>
+          </p:cNvSpPr>
+          <p:nvPr>
+            <p:ph type="title"/>
+          </p:nvPr>
+        </p:nvSpPr>
+        <p:spPr/>
+        <p:txBody>
+          <a:bodyPr/>
+          <a:lstStyle/>
+          <a:p>
+            <a:r>
+              <a:rPr lang="ru-RU" dirty="0"/>
+              <a:t>Сравнение ВМ и </a:t>
+            </a:r>
+            <a:r>
+              <a:rPr lang="en-US" dirty="0"/>
+              <a:t>Docker</a:t>
+            </a:r>
+            <a:endParaRPr lang="ru-RU" dirty="0"/>
+          </a:p>
+        </p:txBody>
+      </p:sp>
+      <p:sp>
+        <p:nvSpPr>
+          <p:cNvPr id="3" name="Текст 2">
+            <a:extLst>
+              <a:ext uri="{FF2B5EF4-FFF2-40B4-BE49-F238E27FC236}">
+                <a16:creationId xmlns:a16="http://schemas.microsoft.com/office/drawing/2014/main" id="{1727EE11-8B84-4EDF-9394-B3C24A06ED66}"/>
+              </a:ext>
+            </a:extLst>
+          </p:cNvPr>
+          <p:cNvSpPr>
+            <a:spLocks noGrp="1"/>
+          </p:cNvSpPr>
+          <p:nvPr>
+            <p:ph type="body" sz="quarter" idx="11"/>
+          </p:nvPr>
+        </p:nvSpPr>
+        <p:spPr/>
+        <p:txBody>
+          <a:bodyPr/>
+          <a:lstStyle/>
+          <a:p>
+            <a:endParaRPr lang="ru-RU" dirty="0"/>
+          </a:p>
+        </p:txBody>
+      </p:sp>
+      <p:sp>
+        <p:nvSpPr>
+          <p:cNvPr id="12" name="Текст 4">
+            <a:extLst>
+              <a:ext uri="{FF2B5EF4-FFF2-40B4-BE49-F238E27FC236}">
+                <a16:creationId xmlns:a16="http://schemas.microsoft.com/office/drawing/2014/main" id="{50FDF164-8B45-4B8E-8133-D4B4116DD656}"/>
+              </a:ext>
+            </a:extLst>
+          </p:cNvPr>
+          <p:cNvSpPr>
+            <a:spLocks noGrp="1"/>
+          </p:cNvSpPr>
+          <p:nvPr>
+            <p:ph type="body" sz="quarter" idx="13"/>
+          </p:nvPr>
+        </p:nvSpPr>
+        <p:spPr>
+          <a:xfrm>
+            <a:off x="838198" y="1952472"/>
+            <a:ext cx="5147663" cy="4337568"/>
+          </a:xfrm>
+        </p:spPr>
+        <p:txBody>
+          <a:bodyPr/>
+          <a:lstStyle/>
+          <a:p>
+            <a:endParaRPr lang="ru-RU" dirty="0"/>
+          </a:p>
+        </p:txBody>
+      </p:sp>
+      <p:graphicFrame>
+        <p:nvGraphicFramePr>
+          <p:cNvPr id="6" name="Таблица 6">
+            <a:extLst>
+              <a:ext uri="{FF2B5EF4-FFF2-40B4-BE49-F238E27FC236}">
+                <a16:creationId xmlns:a16="http://schemas.microsoft.com/office/drawing/2014/main" id="{2E57BA4A-2868-45F8-B88D-92CA20720669}"/>
+              </a:ext>
+            </a:extLst>
+          </p:cNvPr>
+          <p:cNvGraphicFramePr>
+            <a:graphicFrameLocks noGrp="1"/>
+          </p:cNvGraphicFramePr>
+          <p:nvPr>
+            <p:ph idx="12"/>
+            <p:extLst>
+              <p:ext uri="{D42A27DB-BD31-4B8C-83A1-F6EECF244321}">
+                <p14:modId xmlns:p14="http://schemas.microsoft.com/office/powerpoint/2010/main" val="1856087100"/>
+              </p:ext>
+            </p:extLst>
+          </p:nvPr>
+        </p:nvGraphicFramePr>
+        <p:xfrm>
+          <a:off x="838198" y="1300162"/>
+          <a:ext cx="10515600" cy="4989875"/>
+        </p:xfrm>
+        <a:graphic>
+          <a:graphicData uri="http://schemas.openxmlformats.org/drawingml/2006/table">
+            <a:tbl>
+              <a:tblPr firstRow="1" bandRow="1">
+                <a:tableStyleId>{46F890A9-2807-4EBB-B81D-B2AA78EC7F39}</a:tableStyleId>
+              </a:tblPr>
+              <a:tblGrid>
+                <a:gridCol w="3505200">
+                  <a:extLst>
+                    <a:ext uri="{9D8B030D-6E8A-4147-A177-3AD203B41FA5}">
+                      <a16:colId xmlns:a16="http://schemas.microsoft.com/office/drawing/2014/main" val="1082414784"/>
+                    </a:ext>
+                  </a:extLst>
+                </a:gridCol>
+                <a:gridCol w="3505200">
+                  <a:extLst>
+                    <a:ext uri="{9D8B030D-6E8A-4147-A177-3AD203B41FA5}">
+                      <a16:colId xmlns:a16="http://schemas.microsoft.com/office/drawing/2014/main" val="2234579696"/>
+                    </a:ext>
+                  </a:extLst>
+                </a:gridCol>
+                <a:gridCol w="3505200">
+                  <a:extLst>
+                    <a:ext uri="{9D8B030D-6E8A-4147-A177-3AD203B41FA5}">
+                      <a16:colId xmlns:a16="http://schemas.microsoft.com/office/drawing/2014/main" val="76256820"/>
+                    </a:ext>
+                  </a:extLst>
+                </a:gridCol>
+              </a:tblGrid>
+              <a:tr h="997975">
+                <a:tc>
+                  <a:txBody>
+                    <a:bodyPr/>
+                    <a:lstStyle/>
+                    <a:p>
+                      <a:r>
+                        <a:rPr lang="ru-RU" sz="2000" b="1" dirty="0"/>
+                        <a:t>Критерий</a:t>
+                      </a:r>
+                      <a:endParaRPr lang="ru-RU" sz="2000" dirty="0"/>
+                    </a:p>
+                  </a:txBody>
+                  <a:tcPr anchor="ctr">
+                    <a:solidFill>
+                      <a:srgbClr val="584493"/>
+                    </a:solidFill>
+                  </a:tcPr>
+                </a:tc>
+                <a:tc>
+                  <a:txBody>
+                    <a:bodyPr/>
+                    <a:lstStyle/>
+                    <a:p>
+                      <a:r>
+                        <a:rPr lang="en-US" sz="2000" b="1" dirty="0"/>
+                        <a:t>Docker</a:t>
+                      </a:r>
+                      <a:endParaRPr lang="en-US" sz="2000" dirty="0"/>
+                    </a:p>
+                  </a:txBody>
+                  <a:tcPr anchor="ctr">
+                    <a:solidFill>
+                      <a:srgbClr val="584493"/>
+                    </a:solidFill>
+                  </a:tcPr>
+                </a:tc>
+                <a:tc>
+                  <a:txBody>
+                    <a:bodyPr/>
+                    <a:lstStyle/>
+                    <a:p>
+                      <a:r>
+                        <a:rPr lang="ru-RU" sz="2000" b="1" dirty="0"/>
+                        <a:t>Виртуальная машина</a:t>
+                      </a:r>
+                      <a:endParaRPr lang="ru-RU" sz="2000" dirty="0"/>
+                    </a:p>
+                  </a:txBody>
+                  <a:tcPr anchor="ctr">
+                    <a:solidFill>
+                      <a:srgbClr val="584493"/>
+                    </a:solidFill>
+                  </a:tcPr>
+                </a:tc>
+                <a:extLst>
+                  <a:ext uri="{0D108BD9-81ED-4DB2-BD59-A6C34878D82A}">
+                    <a16:rowId xmlns:a16="http://schemas.microsoft.com/office/drawing/2014/main" val="2167023114"/>
+                  </a:ext>
+                </a:extLst>
+              </a:tr>
+              <a:tr h="997975">
+                <a:tc>
+                  <a:txBody>
+                    <a:bodyPr/>
+                    <a:lstStyle/>
+                    <a:p>
+                      <a:r>
+                        <a:rPr lang="ru-RU" sz="2000" b="1"/>
+                        <a:t>Изоляция</a:t>
+                      </a:r>
+                      <a:endParaRPr lang="ru-RU" sz="2000"/>
+                    </a:p>
+                  </a:txBody>
+                  <a:tcPr anchor="ctr"/>
+                </a:tc>
+                <a:tc>
+                  <a:txBody>
+                    <a:bodyPr/>
+                    <a:lstStyle/>
+                    <a:p>
+                      <a:r>
+                        <a:rPr lang="ru-RU" sz="2000"/>
+                        <a:t>Процессы (общее ядро ОС)</a:t>
+                      </a:r>
+                    </a:p>
+                  </a:txBody>
+                  <a:tcPr anchor="ctr"/>
+                </a:tc>
+                <a:tc>
+                  <a:txBody>
+                    <a:bodyPr/>
+                    <a:lstStyle/>
+                    <a:p>
+                      <a:r>
+                        <a:rPr lang="ru-RU" sz="2000" dirty="0"/>
+                        <a:t>Полная ОС + гипервизор</a:t>
+                      </a:r>
+                    </a:p>
+                  </a:txBody>
+                  <a:tcPr anchor="ctr"/>
+                </a:tc>
+                <a:extLst>
+                  <a:ext uri="{0D108BD9-81ED-4DB2-BD59-A6C34878D82A}">
+                    <a16:rowId xmlns:a16="http://schemas.microsoft.com/office/drawing/2014/main" val="400637340"/>
+                  </a:ext>
+                </a:extLst>
+              </a:tr>
+              <a:tr h="997975">
+                <a:tc>
+                  <a:txBody>
+                    <a:bodyPr/>
+                    <a:lstStyle/>
+                    <a:p>
+                      <a:r>
+                        <a:rPr lang="ru-RU" sz="2000" b="1" dirty="0"/>
+                        <a:t>Запуск</a:t>
+                      </a:r>
+                      <a:endParaRPr lang="ru-RU" sz="2000" dirty="0"/>
+                    </a:p>
+                  </a:txBody>
+                  <a:tcPr anchor="ctr"/>
+                </a:tc>
+                <a:tc>
+                  <a:txBody>
+                    <a:bodyPr/>
+                    <a:lstStyle/>
+                    <a:p>
+                      <a:r>
+                        <a:rPr lang="ru-RU" sz="2000" dirty="0"/>
+                        <a:t>Секунды</a:t>
+                      </a:r>
+                    </a:p>
+                  </a:txBody>
+                  <a:tcPr anchor="ctr"/>
+                </a:tc>
+                <a:tc>
+                  <a:txBody>
+                    <a:bodyPr/>
+                    <a:lstStyle/>
+                    <a:p>
+                      <a:r>
+                        <a:rPr lang="ru-RU" sz="2000" dirty="0"/>
+                        <a:t>Минуты</a:t>
+                      </a:r>
+                    </a:p>
+                  </a:txBody>
+                  <a:tcPr anchor="ctr"/>
+                </a:tc>
+                <a:extLst>
+                  <a:ext uri="{0D108BD9-81ED-4DB2-BD59-A6C34878D82A}">
+                    <a16:rowId xmlns:a16="http://schemas.microsoft.com/office/drawing/2014/main" val="967135797"/>
+                  </a:ext>
+                </a:extLst>
+              </a:tr>
+              <a:tr h="997975">
+                <a:tc>
+                  <a:txBody>
+                    <a:bodyPr/>
+                    <a:lstStyle/>
+                    <a:p>
+                      <a:r>
+                        <a:rPr lang="ru-RU" sz="2000" b="1"/>
+                        <a:t>Потребление</a:t>
+                      </a:r>
+                      <a:endParaRPr lang="ru-RU" sz="2000"/>
+                    </a:p>
+                  </a:txBody>
+                  <a:tcPr anchor="ctr"/>
+                </a:tc>
+                <a:tc>
+                  <a:txBody>
+                    <a:bodyPr/>
+                    <a:lstStyle/>
+                    <a:p>
+                      <a:r>
+                        <a:rPr lang="ru-RU" sz="2000"/>
+                        <a:t>~100 МБ</a:t>
+                      </a:r>
+                    </a:p>
+                  </a:txBody>
+                  <a:tcPr anchor="ctr"/>
+                </a:tc>
+                <a:tc>
+                  <a:txBody>
+                    <a:bodyPr/>
+                    <a:lstStyle/>
+                    <a:p>
+                      <a:r>
+                        <a:rPr lang="ru-RU" sz="2000"/>
+                        <a:t>~1-2 ГБ</a:t>
+                      </a:r>
+                    </a:p>
+                  </a:txBody>
+                  <a:tcPr anchor="ctr"/>
+                </a:tc>
+                <a:extLst>
+                  <a:ext uri="{0D108BD9-81ED-4DB2-BD59-A6C34878D82A}">
+                    <a16:rowId xmlns:a16="http://schemas.microsoft.com/office/drawing/2014/main" val="729150476"/>
+                  </a:ext>
+                </a:extLst>
+              </a:tr>
+              <a:tr h="997975">
+                <a:tc>
+                  <a:txBody>
+                    <a:bodyPr/>
+                    <a:lstStyle/>
+                    <a:p>
+                      <a:r>
+                        <a:rPr lang="ru-RU" sz="2000" b="1"/>
+                        <a:t>Использование</a:t>
+                      </a:r>
+                      <a:endParaRPr lang="ru-RU" sz="2000"/>
+                    </a:p>
+                  </a:txBody>
+                  <a:tcPr anchor="ctr"/>
+                </a:tc>
+                <a:tc>
+                  <a:txBody>
+                    <a:bodyPr/>
+                    <a:lstStyle/>
+                    <a:p>
+                      <a:r>
+                        <a:rPr lang="ru-RU" sz="2000"/>
+                        <a:t>Микросервисы, </a:t>
+                      </a:r>
+                      <a:r>
+                        <a:rPr lang="en-US" sz="2000"/>
+                        <a:t>DevOps</a:t>
+                      </a:r>
+                    </a:p>
+                  </a:txBody>
+                  <a:tcPr anchor="ctr"/>
+                </a:tc>
+                <a:tc>
+                  <a:txBody>
+                    <a:bodyPr/>
+                    <a:lstStyle/>
+                    <a:p>
+                      <a:r>
+                        <a:rPr lang="ru-RU" sz="2000" dirty="0"/>
+                        <a:t>Устаревшие системы, </a:t>
+                      </a:r>
+                      <a:r>
+                        <a:rPr lang="en-US" sz="2000" dirty="0"/>
+                        <a:t>Windows</a:t>
+                      </a:r>
+                    </a:p>
+                  </a:txBody>
+                  <a:tcPr anchor="ctr"/>
+                </a:tc>
+                <a:extLst>
+                  <a:ext uri="{0D108BD9-81ED-4DB2-BD59-A6C34878D82A}">
+                    <a16:rowId xmlns:a16="http://schemas.microsoft.com/office/drawing/2014/main" val="783747015"/>
+                  </a:ext>
+                </a:extLst>
+              </a:tr>
+            </a:tbl>
+          </a:graphicData>
+        </a:graphic>
+      </p:graphicFrame>
+    </p:spTree>
+    <p:extLst>
+      <p:ext uri="{BB962C8B-B14F-4D97-AF65-F5344CB8AC3E}">
+        <p14:creationId xmlns:p14="http://schemas.microsoft.com/office/powerpoint/2010/main" val="1100382495"/>
+      </p:ext>
+    </p:extLst>
+  </p:cSld>
+  <p:clrMapOvr>
+    <a:masterClrMapping/>
+  </p:clrMapOvr>
+</p:sld>
+</file>
+
+<file path=ppt/slides/slide6.xml><?xml version="1.0" encoding="utf-8"?>
+<p:sld xmlns:a="http://schemas.openxmlformats.org/drawingml/2006/main" xmlns:r="http://schemas.openxmlformats.org/officeDocument/2006/relationships" xmlns:p="http://schemas.openxmlformats.org/presentationml/2006/main">
+  <p:cSld>
+    <p:spTree>
+      <p:nvGrpSpPr>
+        <p:cNvPr id="1" name=""/>
+        <p:cNvGrpSpPr/>
+        <p:nvPr/>
+      </p:nvGrpSpPr>
+      <p:grpSpPr>
+        <a:xfrm>
+          <a:off x="0" y="0"/>
+          <a:ext cx="0" cy="0"/>
+          <a:chOff x="0" y="0"/>
+          <a:chExt cx="0" cy="0"/>
+        </a:xfrm>
+      </p:grpSpPr>
+      <p:sp>
+        <p:nvSpPr>
+          <p:cNvPr id="2" name="Заголовок 1">
+            <a:extLst>
+              <a:ext uri="{FF2B5EF4-FFF2-40B4-BE49-F238E27FC236}">
+                <a16:creationId xmlns:a16="http://schemas.microsoft.com/office/drawing/2014/main" id="{29A1CED7-5043-4875-AE86-E447CB8866CC}"/>
+              </a:ext>
+            </a:extLst>
+          </p:cNvPr>
+          <p:cNvSpPr>
+            <a:spLocks noGrp="1"/>
+          </p:cNvSpPr>
+          <p:nvPr>
+            <p:ph type="title"/>
+          </p:nvPr>
+        </p:nvSpPr>
+        <p:spPr/>
+        <p:txBody>
+          <a:bodyPr/>
+          <a:lstStyle/>
+          <a:p>
+            <a:endParaRPr lang="ru-RU"/>
+          </a:p>
+        </p:txBody>
+      </p:sp>
+      <p:sp>
+        <p:nvSpPr>
+          <p:cNvPr id="3" name="Текст 2">
+            <a:extLst>
+              <a:ext uri="{FF2B5EF4-FFF2-40B4-BE49-F238E27FC236}">
+                <a16:creationId xmlns:a16="http://schemas.microsoft.com/office/drawing/2014/main" id="{AC21AF83-C7B1-4617-BE35-C68055DEB9B5}"/>
+              </a:ext>
+            </a:extLst>
+          </p:cNvPr>
+          <p:cNvSpPr>
+            <a:spLocks noGrp="1"/>
+          </p:cNvSpPr>
+          <p:nvPr>
+            <p:ph type="body" sz="quarter" idx="11"/>
+          </p:nvPr>
+        </p:nvSpPr>
+        <p:spPr/>
+        <p:txBody>
+          <a:bodyPr/>
+          <a:lstStyle/>
+          <a:p>
+            <a:endParaRPr lang="ru-RU"/>
+          </a:p>
+        </p:txBody>
+      </p:sp>
+      <p:sp>
+        <p:nvSpPr>
+          <p:cNvPr id="5" name="Текст 4">
+            <a:extLst>
+              <a:ext uri="{FF2B5EF4-FFF2-40B4-BE49-F238E27FC236}">
+                <a16:creationId xmlns:a16="http://schemas.microsoft.com/office/drawing/2014/main" id="{BDA728C5-E44A-496E-9787-2E389402B3C4}"/>
+              </a:ext>
+            </a:extLst>
+          </p:cNvPr>
+          <p:cNvSpPr>
+            <a:spLocks noGrp="1"/>
+          </p:cNvSpPr>
+          <p:nvPr>
+            <p:ph type="body" sz="quarter" idx="13"/>
+          </p:nvPr>
+        </p:nvSpPr>
+        <p:spPr/>
+        <p:txBody>
+          <a:bodyPr/>
+          <a:lstStyle/>
+          <a:p>
+            <a:endParaRPr lang="ru-RU"/>
+          </a:p>
+        </p:txBody>
+      </p:sp>
+      <p:pic>
+        <p:nvPicPr>
+          <p:cNvPr id="11" name="Объект 10">
+            <a:extLst>
+              <a:ext uri="{FF2B5EF4-FFF2-40B4-BE49-F238E27FC236}">
+                <a16:creationId xmlns:a16="http://schemas.microsoft.com/office/drawing/2014/main" id="{A276117F-1F9A-4240-8D8E-D8C8363F390A}"/>
+              </a:ext>
+            </a:extLst>
+          </p:cNvPr>
+          <p:cNvPicPr>
+            <a:picLocks noGrp="1" noChangeAspect="1"/>
+          </p:cNvPicPr>
+          <p:nvPr>
+            <p:ph idx="12"/>
+          </p:nvPr>
+        </p:nvPicPr>
+        <p:blipFill>
+          <a:blip r:embed="rId2">
+            <a:extLst>
+              <a:ext uri="{28A0092B-C50C-407E-A947-70E740481C1C}">
+                <a14:useLocalDpi xmlns:a14="http://schemas.microsoft.com/office/drawing/2010/main" val="0"/>
+              </a:ext>
+            </a:extLst>
+          </a:blip>
+          <a:stretch>
+            <a:fillRect/>
+          </a:stretch>
+        </p:blipFill>
+        <p:spPr>
+          <a:xfrm>
+            <a:off x="0" y="0"/>
+            <a:ext cx="12192000" cy="7173420"/>
+          </a:xfrm>
+        </p:spPr>
+      </p:pic>
+    </p:spTree>
+    <p:extLst>
+      <p:ext uri="{BB962C8B-B14F-4D97-AF65-F5344CB8AC3E}">
+        <p14:creationId xmlns:p14="http://schemas.microsoft.com/office/powerpoint/2010/main" val="1840803004"/>
+      </p:ext>
+    </p:extLst>
+  </p:cSld>
+  <p:clrMapOvr>
+    <a:masterClrMapping/>
+  </p:clrMapOvr>
+</p:sld>
+</file>
+
+<file path=ppt/slides/slide7.xml><?xml version="1.0" encoding="utf-8"?>
+<p:sld xmlns:a="http://schemas.openxmlformats.org/drawingml/2006/main" xmlns:r="http://schemas.openxmlformats.org/officeDocument/2006/relationships" xmlns:p="http://schemas.openxmlformats.org/presentationml/2006/main">
+  <p:cSld>
+    <p:spTree>
+      <p:nvGrpSpPr>
+        <p:cNvPr id="1" name=""/>
+        <p:cNvGrpSpPr/>
+        <p:nvPr/>
+      </p:nvGrpSpPr>
+      <p:grpSpPr>
+        <a:xfrm>
+          <a:off x="0" y="0"/>
+          <a:ext cx="0" cy="0"/>
+          <a:chOff x="0" y="0"/>
+          <a:chExt cx="0" cy="0"/>
+        </a:xfrm>
+      </p:grpSpPr>
+      <p:sp>
+        <p:nvSpPr>
+          <p:cNvPr id="2" name="Заголовок 1">
+            <a:extLst>
+              <a:ext uri="{FF2B5EF4-FFF2-40B4-BE49-F238E27FC236}">
+                <a16:creationId xmlns:a16="http://schemas.microsoft.com/office/drawing/2014/main" id="{1A2E9A41-E755-48C3-83C3-3F9102FD5C9E}"/>
+              </a:ext>
+            </a:extLst>
+          </p:cNvPr>
+          <p:cNvSpPr>
+            <a:spLocks noGrp="1"/>
+          </p:cNvSpPr>
+          <p:nvPr>
+            <p:ph type="title"/>
+          </p:nvPr>
+        </p:nvSpPr>
+        <p:spPr/>
+        <p:txBody>
+          <a:bodyPr/>
+          <a:lstStyle/>
+          <a:p>
+            <a:r>
+              <a:rPr lang="ru-RU" dirty="0"/>
+              <a:t>Актуальность</a:t>
+            </a:r>
+          </a:p>
+        </p:txBody>
+      </p:sp>
+      <p:sp>
+        <p:nvSpPr>
+          <p:cNvPr id="12" name="Текст 4">
+            <a:extLst>
+              <a:ext uri="{FF2B5EF4-FFF2-40B4-BE49-F238E27FC236}">
+                <a16:creationId xmlns:a16="http://schemas.microsoft.com/office/drawing/2014/main" id="{50FDF164-8B45-4B8E-8133-D4B4116DD656}"/>
+              </a:ext>
+            </a:extLst>
+          </p:cNvPr>
+          <p:cNvSpPr>
+            <a:spLocks noGrp="1"/>
+          </p:cNvSpPr>
+          <p:nvPr>
+            <p:ph type="body" sz="quarter" idx="13"/>
+          </p:nvPr>
+        </p:nvSpPr>
+        <p:spPr>
+          <a:xfrm>
+            <a:off x="819344" y="1676637"/>
+            <a:ext cx="5147663" cy="4714735"/>
+          </a:xfrm>
+        </p:spPr>
+        <p:txBody>
+          <a:bodyPr>
+            <a:normAutofit lnSpcReduction="10000"/>
+          </a:bodyPr>
+          <a:lstStyle/>
+          <a:p>
+            <a:r>
+              <a:rPr lang="ru-RU" dirty="0">
+                <a:effectLst/>
+                <a:ea typeface="Calibri" panose="020F0502020204030204" pitchFamily="34" charset="0"/>
+                <a:cs typeface="Times New Roman" panose="02020603050405020304" pitchFamily="18" charset="0"/>
+              </a:rPr>
+              <a:t>По данным опросов, таких как </a:t>
+            </a:r>
+            <a:r>
+              <a:rPr lang="ru-RU" dirty="0" err="1">
+                <a:effectLst/>
+                <a:ea typeface="Calibri" panose="020F0502020204030204" pitchFamily="34" charset="0"/>
+                <a:cs typeface="Times New Roman" panose="02020603050405020304" pitchFamily="18" charset="0"/>
+              </a:rPr>
+              <a:t>Stack</a:t>
+            </a:r>
+            <a:r>
+              <a:rPr lang="ru-RU" dirty="0">
+                <a:effectLst/>
+                <a:ea typeface="Calibri" panose="020F0502020204030204" pitchFamily="34" charset="0"/>
+                <a:cs typeface="Times New Roman" panose="02020603050405020304" pitchFamily="18" charset="0"/>
+              </a:rPr>
+              <a:t> </a:t>
+            </a:r>
+            <a:r>
+              <a:rPr lang="ru-RU" dirty="0" err="1">
+                <a:effectLst/>
+                <a:ea typeface="Calibri" panose="020F0502020204030204" pitchFamily="34" charset="0"/>
+                <a:cs typeface="Times New Roman" panose="02020603050405020304" pitchFamily="18" charset="0"/>
+              </a:rPr>
+              <a:t>Overflow</a:t>
+            </a:r>
+            <a:r>
+              <a:rPr lang="ru-RU" dirty="0">
+                <a:effectLst/>
+                <a:ea typeface="Calibri" panose="020F0502020204030204" pitchFamily="34" charset="0"/>
+                <a:cs typeface="Times New Roman" panose="02020603050405020304" pitchFamily="18" charset="0"/>
+              </a:rPr>
+              <a:t> Developer Survey, около 30-40% разработчиков используют контейнерные технологии в своих проектах, а </a:t>
+            </a:r>
+            <a:r>
+              <a:rPr lang="en-US" dirty="0">
+                <a:effectLst/>
+                <a:ea typeface="Calibri" panose="020F0502020204030204" pitchFamily="34" charset="0"/>
+                <a:cs typeface="Times New Roman" panose="02020603050405020304" pitchFamily="18" charset="0"/>
+              </a:rPr>
+              <a:t>Docker </a:t>
+            </a:r>
+            <a:r>
+              <a:rPr lang="ru-RU" dirty="0">
+                <a:effectLst/>
+                <a:ea typeface="Calibri" panose="020F0502020204030204" pitchFamily="34" charset="0"/>
+                <a:cs typeface="Times New Roman" panose="02020603050405020304" pitchFamily="18" charset="0"/>
+              </a:rPr>
+              <a:t>занимает около 83% на рынке контейнеризации в целом.</a:t>
+            </a:r>
+            <a:r>
+              <a:rPr lang="ru-RU" sz="1800" dirty="0">
+                <a:effectLst/>
+                <a:latin typeface="Times New Roman" panose="02020603050405020304" pitchFamily="18" charset="0"/>
+                <a:ea typeface="Calibri" panose="020F0502020204030204" pitchFamily="34" charset="0"/>
+              </a:rPr>
+              <a:t> </a:t>
+            </a:r>
+            <a:endParaRPr lang="en-US" sz="1800" dirty="0">
+              <a:latin typeface="Times New Roman" panose="02020603050405020304" pitchFamily="18" charset="0"/>
+              <a:ea typeface="Calibri" panose="020F0502020204030204" pitchFamily="34" charset="0"/>
+            </a:endParaRPr>
+          </a:p>
+          <a:p>
+            <a:r>
+              <a:rPr lang="ru-RU" dirty="0">
+                <a:effectLst/>
+                <a:ea typeface="Calibri" panose="020F0502020204030204" pitchFamily="34" charset="0"/>
+              </a:rPr>
+              <a:t>более 100 000 организаций уже активно используют </a:t>
+            </a:r>
+            <a:r>
+              <a:rPr lang="en-US" dirty="0">
+                <a:effectLst/>
+                <a:ea typeface="Calibri" panose="020F0502020204030204" pitchFamily="34" charset="0"/>
+              </a:rPr>
+              <a:t>Docker</a:t>
+            </a:r>
+            <a:r>
+              <a:rPr lang="ru-RU" dirty="0">
+                <a:effectLst/>
+                <a:ea typeface="Calibri" panose="020F0502020204030204" pitchFamily="34" charset="0"/>
+              </a:rPr>
+              <a:t> контейнеризацию, среди них: </a:t>
+            </a:r>
+            <a:r>
+              <a:rPr lang="en-US" dirty="0">
+                <a:effectLst/>
+                <a:ea typeface="Calibri" panose="020F0502020204030204" pitchFamily="34" charset="0"/>
+              </a:rPr>
+              <a:t>Yandex</a:t>
+            </a:r>
+            <a:r>
+              <a:rPr lang="ru-RU" dirty="0">
+                <a:effectLst/>
+                <a:ea typeface="Calibri" panose="020F0502020204030204" pitchFamily="34" charset="0"/>
+              </a:rPr>
+              <a:t>, </a:t>
+            </a:r>
+            <a:r>
+              <a:rPr lang="en-US" dirty="0">
+                <a:effectLst/>
+                <a:ea typeface="Calibri" panose="020F0502020204030204" pitchFamily="34" charset="0"/>
+              </a:rPr>
+              <a:t>eBay</a:t>
+            </a:r>
+            <a:r>
+              <a:rPr lang="ru-RU" dirty="0">
+                <a:effectLst/>
+                <a:ea typeface="Calibri" panose="020F0502020204030204" pitchFamily="34" charset="0"/>
+              </a:rPr>
+              <a:t>, </a:t>
+            </a:r>
+            <a:r>
+              <a:rPr lang="en-US" dirty="0">
+                <a:effectLst/>
+                <a:ea typeface="Calibri" panose="020F0502020204030204" pitchFamily="34" charset="0"/>
+              </a:rPr>
+              <a:t>Spotify</a:t>
+            </a:r>
+            <a:r>
+              <a:rPr lang="ru-RU" dirty="0">
+                <a:effectLst/>
+                <a:ea typeface="Calibri" panose="020F0502020204030204" pitchFamily="34" charset="0"/>
+              </a:rPr>
+              <a:t>, </a:t>
+            </a:r>
+            <a:r>
+              <a:rPr lang="en-US" dirty="0">
+                <a:effectLst/>
+                <a:ea typeface="Calibri" panose="020F0502020204030204" pitchFamily="34" charset="0"/>
+              </a:rPr>
+              <a:t>Netflix</a:t>
+            </a:r>
+            <a:r>
+              <a:rPr lang="ru-RU" dirty="0">
+                <a:effectLst/>
+                <a:ea typeface="Calibri" panose="020F0502020204030204" pitchFamily="34" charset="0"/>
+              </a:rPr>
+              <a:t>, </a:t>
+            </a:r>
+            <a:r>
+              <a:rPr lang="en-US" dirty="0">
+                <a:effectLst/>
+                <a:ea typeface="Calibri" panose="020F0502020204030204" pitchFamily="34" charset="0"/>
+              </a:rPr>
+              <a:t>PayPal</a:t>
+            </a:r>
+            <a:r>
+              <a:rPr lang="ru-RU" dirty="0">
+                <a:effectLst/>
+                <a:ea typeface="Calibri" panose="020F0502020204030204" pitchFamily="34" charset="0"/>
+              </a:rPr>
+              <a:t>.</a:t>
+            </a:r>
+          </a:p>
+          <a:p>
+            <a:r>
+              <a:rPr lang="ru-RU" dirty="0">
+                <a:effectLst/>
+                <a:ea typeface="Calibri" panose="020F0502020204030204" pitchFamily="34" charset="0"/>
+              </a:rPr>
+              <a:t> </a:t>
+            </a:r>
+          </a:p>
+          <a:p>
+            <a:r>
+              <a:rPr lang="ru-RU" sz="2000" dirty="0">
+                <a:effectLst/>
+                <a:ea typeface="Calibri" panose="020F0502020204030204" pitchFamily="34" charset="0"/>
+              </a:rPr>
+              <a:t>*Статистика с изображения взята с отчёта </a:t>
+            </a:r>
+            <a:r>
+              <a:rPr lang="en-US" sz="2000" dirty="0">
+                <a:effectLst/>
+                <a:ea typeface="Calibri" panose="020F0502020204030204" pitchFamily="34" charset="0"/>
+              </a:rPr>
+              <a:t>State of DevOps Report 2024</a:t>
+            </a:r>
+            <a:endParaRPr lang="ru-RU" sz="2000" dirty="0">
+              <a:effectLst/>
+              <a:ea typeface="Calibri" panose="020F0502020204030204" pitchFamily="34" charset="0"/>
+            </a:endParaRPr>
+          </a:p>
+        </p:txBody>
+      </p:sp>
+      <p:pic>
+        <p:nvPicPr>
+          <p:cNvPr id="9" name="Объект 10">
+            <a:extLst>
+              <a:ext uri="{FF2B5EF4-FFF2-40B4-BE49-F238E27FC236}">
+                <a16:creationId xmlns:a16="http://schemas.microsoft.com/office/drawing/2014/main" id="{1D648EA8-FA92-4099-A692-B69300086CA9}"/>
+              </a:ext>
+            </a:extLst>
+          </p:cNvPr>
+          <p:cNvPicPr>
+            <a:picLocks noGrp="1" noChangeAspect="1"/>
+          </p:cNvPicPr>
+          <p:nvPr>
+            <p:ph idx="12"/>
+          </p:nvPr>
+        </p:nvPicPr>
+        <p:blipFill>
+          <a:blip r:embed="rId2"/>
+          <a:stretch>
+            <a:fillRect/>
+          </a:stretch>
+        </p:blipFill>
+        <p:spPr>
+          <a:xfrm>
+            <a:off x="6745176" y="1143351"/>
+            <a:ext cx="4057942" cy="5248022"/>
+          </a:xfrm>
+        </p:spPr>
+      </p:pic>
+    </p:spTree>
+    <p:extLst>
+      <p:ext uri="{BB962C8B-B14F-4D97-AF65-F5344CB8AC3E}">
+        <p14:creationId xmlns:p14="http://schemas.microsoft.com/office/powerpoint/2010/main" val="1995580403"/>
+      </p:ext>
+    </p:extLst>
+  </p:cSld>
+  <p:clrMapOvr>
+    <a:masterClrMapping/>
+  </p:clrMapOvr>
+</p:sld>
+</file>
+
+<file path=ppt/slides/slide8.xml><?xml version="1.0" encoding="utf-8"?>
+<p:sld xmlns:a="http://schemas.openxmlformats.org/drawingml/2006/main" xmlns:r="http://schemas.openxmlformats.org/officeDocument/2006/relationships" xmlns:p="http://schemas.openxmlformats.org/presentationml/2006/main">
+  <p:cSld>
+    <p:spTree>
+      <p:nvGrpSpPr>
+        <p:cNvPr id="1" name=""/>
+        <p:cNvGrpSpPr/>
+        <p:nvPr/>
+      </p:nvGrpSpPr>
+      <p:grpSpPr>
+        <a:xfrm>
+          <a:off x="0" y="0"/>
+          <a:ext cx="0" cy="0"/>
+          <a:chOff x="0" y="0"/>
+          <a:chExt cx="0" cy="0"/>
+        </a:xfrm>
+      </p:grpSpPr>
+      <p:sp>
+        <p:nvSpPr>
+          <p:cNvPr id="2" name="Заголовок 1">
+            <a:extLst>
+              <a:ext uri="{FF2B5EF4-FFF2-40B4-BE49-F238E27FC236}">
+                <a16:creationId xmlns:a16="http://schemas.microsoft.com/office/drawing/2014/main" id="{1A2E9A41-E755-48C3-83C3-3F9102FD5C9E}"/>
+              </a:ext>
+            </a:extLst>
+          </p:cNvPr>
+          <p:cNvSpPr>
+            <a:spLocks noGrp="1"/>
+          </p:cNvSpPr>
+          <p:nvPr>
+            <p:ph type="title"/>
+          </p:nvPr>
+        </p:nvSpPr>
+        <p:spPr/>
+        <p:txBody>
+          <a:bodyPr/>
+          <a:lstStyle/>
+          <a:p>
+            <a:r>
+              <a:rPr lang="ru-RU" dirty="0"/>
+              <a:t>Актуальность</a:t>
+            </a:r>
+          </a:p>
+        </p:txBody>
+      </p:sp>
+      <p:sp>
+        <p:nvSpPr>
+          <p:cNvPr id="3" name="Текст 2">
+            <a:extLst>
+              <a:ext uri="{FF2B5EF4-FFF2-40B4-BE49-F238E27FC236}">
+                <a16:creationId xmlns:a16="http://schemas.microsoft.com/office/drawing/2014/main" id="{1727EE11-8B84-4EDF-9394-B3C24A06ED66}"/>
+              </a:ext>
+            </a:extLst>
+          </p:cNvPr>
+          <p:cNvSpPr>
+            <a:spLocks noGrp="1"/>
+          </p:cNvSpPr>
+          <p:nvPr>
+            <p:ph type="body" sz="quarter" idx="11"/>
+          </p:nvPr>
+        </p:nvSpPr>
+        <p:spPr/>
+        <p:txBody>
+          <a:bodyPr/>
+          <a:lstStyle/>
+          <a:p>
+            <a:endParaRPr lang="ru-RU" dirty="0"/>
+          </a:p>
+        </p:txBody>
+      </p:sp>
+      <p:pic>
+        <p:nvPicPr>
+          <p:cNvPr id="11" name="Объект 10">
+            <a:extLst>
+              <a:ext uri="{FF2B5EF4-FFF2-40B4-BE49-F238E27FC236}">
+                <a16:creationId xmlns:a16="http://schemas.microsoft.com/office/drawing/2014/main" id="{3DE0C43D-511A-4F4F-B328-F7EE9837D577}"/>
+              </a:ext>
+            </a:extLst>
+          </p:cNvPr>
+          <p:cNvPicPr>
+            <a:picLocks noGrp="1" noChangeAspect="1"/>
+          </p:cNvPicPr>
+          <p:nvPr>
+            <p:ph idx="12"/>
+          </p:nvPr>
+        </p:nvPicPr>
+        <p:blipFill>
+          <a:blip r:embed="rId2"/>
+          <a:stretch>
+            <a:fillRect/>
+          </a:stretch>
+        </p:blipFill>
+        <p:spPr>
+          <a:xfrm>
+            <a:off x="8228326" y="1868488"/>
+            <a:ext cx="3652589" cy="4767982"/>
+          </a:xfrm>
+        </p:spPr>
+      </p:pic>
+      <p:sp>
+        <p:nvSpPr>
+          <p:cNvPr id="12" name="Текст 4">
+            <a:extLst>
+              <a:ext uri="{FF2B5EF4-FFF2-40B4-BE49-F238E27FC236}">
+                <a16:creationId xmlns:a16="http://schemas.microsoft.com/office/drawing/2014/main" id="{50FDF164-8B45-4B8E-8133-D4B4116DD656}"/>
+              </a:ext>
+            </a:extLst>
+          </p:cNvPr>
+          <p:cNvSpPr>
+            <a:spLocks noGrp="1"/>
+          </p:cNvSpPr>
+          <p:nvPr>
+            <p:ph type="body" sz="quarter" idx="13"/>
+          </p:nvPr>
+        </p:nvSpPr>
+        <p:spPr>
+          <a:xfrm>
+            <a:off x="838198" y="1952472"/>
+            <a:ext cx="5147663" cy="4337568"/>
+          </a:xfrm>
+        </p:spPr>
+        <p:txBody>
+          <a:bodyPr/>
+          <a:lstStyle/>
+          <a:p>
+            <a:endParaRPr lang="ru-RU" dirty="0"/>
+          </a:p>
+        </p:txBody>
+      </p:sp>
+      <p:sp>
+        <p:nvSpPr>
+          <p:cNvPr id="13" name="TextBox 12">
+            <a:extLst>
+              <a:ext uri="{FF2B5EF4-FFF2-40B4-BE49-F238E27FC236}">
+                <a16:creationId xmlns:a16="http://schemas.microsoft.com/office/drawing/2014/main" id="{376FF576-68CC-40A9-AD91-9BABF39060E3}"/>
+              </a:ext>
+            </a:extLst>
+          </p:cNvPr>
+          <p:cNvSpPr txBox="1"/>
+          <p:nvPr/>
+        </p:nvSpPr>
+        <p:spPr bwMode="auto">
+          <a:xfrm>
+            <a:off x="8075628" y="1224746"/>
+            <a:ext cx="4365580" cy="646331"/>
+          </a:xfrm>
+          <a:prstGeom prst="rect">
+            <a:avLst/>
+          </a:prstGeom>
+          <a:noFill/>
+        </p:spPr>
+        <p:txBody>
+          <a:bodyPr wrap="square">
+            <a:spAutoFit/>
+          </a:bodyPr>
+          <a:lstStyle/>
+          <a:p>
+            <a:pPr>
+              <a:defRPr/>
+            </a:pPr>
+            <a:r>
+              <a:rPr lang="ru-RU" b="1" dirty="0"/>
+              <a:t>Топ 10 самых востребованных навыков на Российском рынке вакансий????</a:t>
+            </a:r>
+            <a:endParaRPr lang="ru-RU" dirty="0"/>
+          </a:p>
+        </p:txBody>
+      </p:sp>
+    </p:spTree>
+    <p:extLst>
+      <p:ext uri="{BB962C8B-B14F-4D97-AF65-F5344CB8AC3E}">
+        <p14:creationId xmlns:p14="http://schemas.microsoft.com/office/powerpoint/2010/main" val="1480341906"/>
+      </p:ext>
+    </p:extLst>
   </p:cSld>
   <p:clrMapOvr>
     <a:masterClrMapping/>
@@ -5311,7 +6796,7 @@
       </p:grpSpPr>
       <p:sp>
         <p:nvSpPr>
-          <p:cNvPr id="2" name="Заголовок 1"/>
+          <p:cNvPr id="6" name="Заголовок 5"/>
           <p:cNvSpPr>
             <a:spLocks noGrp="1"/>
           </p:cNvSpPr>
@@ -5319,12 +6804,7 @@
             <p:ph type="title"/>
           </p:nvPr>
         </p:nvSpPr>
-        <p:spPr bwMode="auto">
-          <a:xfrm>
-            <a:off x="1106500" y="328229"/>
-            <a:ext cx="7203311" cy="815122"/>
-          </a:xfrm>
-        </p:spPr>
+        <p:spPr bwMode="auto"/>
         <p:txBody>
           <a:bodyPr/>
           <a:lstStyle/>
@@ -5334,61 +6814,31 @@
             </a:pPr>
             <a:r>
               <a:rPr lang="ru-RU"/>
-              <a:t>Список литературы</a:t>
-            </a:r>
-          </a:p>
-        </p:txBody>
-      </p:sp>
-      <p:sp>
-        <p:nvSpPr>
-          <p:cNvPr id="4" name="Объект 3"/>
-          <p:cNvSpPr>
-            <a:spLocks noGrp="1"/>
-          </p:cNvSpPr>
-          <p:nvPr>
-            <p:ph idx="12"/>
-          </p:nvPr>
-        </p:nvSpPr>
-        <p:spPr bwMode="auto">
-          <a:xfrm>
-            <a:off x="835352" y="1352119"/>
-            <a:ext cx="11356648" cy="4840863"/>
-          </a:xfrm>
-        </p:spPr>
-        <p:txBody>
-          <a:bodyPr>
-            <a:normAutofit/>
-          </a:bodyPr>
+              <a:t>ТЕОРИТИЧЕСКАЯ ЧАСТЬ</a:t>
+            </a:r>
+            <a:endParaRPr/>
+          </a:p>
+        </p:txBody>
+      </p:sp>
+      <p:sp>
+        <p:nvSpPr>
+          <p:cNvPr id="7" name="Текст 6"/>
+          <p:cNvSpPr>
+            <a:spLocks noGrp="1"/>
+          </p:cNvSpPr>
+          <p:nvPr>
+            <p:ph type="body" sz="quarter" idx="10"/>
+          </p:nvPr>
+        </p:nvSpPr>
+        <p:spPr bwMode="auto"/>
+        <p:txBody>
+          <a:bodyPr/>
           <a:lstStyle/>
           <a:p>
-            <a:pPr algn="just">
-              <a:lnSpc>
-                <a:spcPct val="100000"/>
-              </a:lnSpc>
-              <a:defRPr/>
-            </a:pPr>
-            <a:r>
-              <a:rPr lang="ru-RU" sz="2000">
-                <a:solidFill>
-                  <a:schemeClr val="tx1"/>
-                </a:solidFill>
-                <a:latin typeface="Times New Roman"/>
-                <a:cs typeface="Times New Roman"/>
-              </a:rPr>
-              <a:t>.</a:t>
-            </a:r>
-          </a:p>
-          <a:p>
             <a:pPr>
               <a:defRPr/>
             </a:pPr>
-            <a:endParaRPr lang="ru-RU" sz="2000">
-              <a:solidFill>
-                <a:schemeClr val="tx1"/>
-              </a:solidFill>
-              <a:latin typeface="Times New Roman"/>
-              <a:cs typeface="Times New Roman"/>
-            </a:endParaRPr>
+            <a:endParaRPr lang="ru-RU"/>
           </a:p>
         </p:txBody>
       </p:sp>

--- a/Шаблон презентации для защиты.pptx
+++ b/Шаблон презентации для защиты.pptx
@@ -15,11 +15,15 @@
     <p:sldId id="269" r:id="rId9"/>
     <p:sldId id="258" r:id="rId10"/>
     <p:sldId id="259" r:id="rId11"/>
-    <p:sldId id="260" r:id="rId12"/>
-    <p:sldId id="261" r:id="rId13"/>
-    <p:sldId id="262" r:id="rId14"/>
-    <p:sldId id="263" r:id="rId15"/>
-    <p:sldId id="264" r:id="rId16"/>
+    <p:sldId id="272" r:id="rId12"/>
+    <p:sldId id="273" r:id="rId13"/>
+    <p:sldId id="274" r:id="rId14"/>
+    <p:sldId id="260" r:id="rId15"/>
+    <p:sldId id="261" r:id="rId16"/>
+    <p:sldId id="262" r:id="rId17"/>
+    <p:sldId id="263" r:id="rId18"/>
+    <p:sldId id="264" r:id="rId19"/>
+    <p:sldId id="271" r:id="rId20"/>
   </p:sldIdLst>
   <p:sldSz cx="12192000" cy="6858000"/>
   <p:notesSz cx="12192000" cy="6858000"/>
@@ -3736,7 +3740,7 @@
             </a:pPr>
             <a:fld id="{71FE0170-5F17-4EB0-BFA4-80529005E784}" type="datetimeFigureOut">
               <a:rPr lang="ru-RU"/>
-              <a:t>13.05.2025</a:t>
+              <a:t>15.05.2025</a:t>
             </a:fld>
             <a:endParaRPr lang="ru-RU"/>
           </a:p>
@@ -4519,40 +4523,18 @@
               <a:defRPr/>
             </a:pPr>
             <a:r>
-              <a:rPr lang="ru-RU" sz="2400"/>
-              <a:t>Теоретическая часть</a:t>
-            </a:r>
-          </a:p>
-        </p:txBody>
-      </p:sp>
-      <p:sp>
-        <p:nvSpPr>
-          <p:cNvPr id="3" name="Текст 2"/>
-          <p:cNvSpPr>
-            <a:spLocks noGrp="1"/>
-          </p:cNvSpPr>
-          <p:nvPr>
-            <p:ph type="body" sz="quarter" idx="11"/>
-          </p:nvPr>
-        </p:nvSpPr>
-        <p:spPr bwMode="auto"/>
-        <p:txBody>
-          <a:bodyPr/>
-          <a:lstStyle/>
-          <a:p>
-            <a:pPr>
-              <a:defRPr/>
-            </a:pPr>
-            <a:endParaRPr lang="ru-RU" dirty="0"/>
+              <a:rPr lang="ru-RU" sz="2400" dirty="0"/>
+              <a:t>Главные компоненты, как происходит процесс контейнеризации</a:t>
+            </a:r>
           </a:p>
         </p:txBody>
       </p:sp>
       <p:pic>
         <p:nvPicPr>
-          <p:cNvPr id="5" name="Рисунок 4">
+          <p:cNvPr id="10" name="Рисунок 9">
             <a:extLst>
               <a:ext uri="{FF2B5EF4-FFF2-40B4-BE49-F238E27FC236}">
-                <a16:creationId xmlns:a16="http://schemas.microsoft.com/office/drawing/2014/main" id="{5555064C-52EB-4030-811D-0FC9167DBBF9}"/>
+                <a16:creationId xmlns:a16="http://schemas.microsoft.com/office/drawing/2014/main" id="{43415D16-E8F2-4A86-BBE6-F176883BC819}"/>
               </a:ext>
             </a:extLst>
           </p:cNvPr>
@@ -4562,7 +4544,7 @@
           <p:nvPr/>
         </p:nvPicPr>
         <p:blipFill>
-          <a:blip r:embed="rId2" cstate="print">
+          <a:blip r:embed="rId2">
             <a:extLst>
               <a:ext uri="{28A0092B-C50C-407E-A947-70E740481C1C}">
                 <a14:useLocalDpi xmlns:a14="http://schemas.microsoft.com/office/drawing/2010/main" val="0"/>
@@ -4575,14 +4557,75 @@
         </p:blipFill>
         <p:spPr>
           <a:xfrm>
-            <a:off x="1941921" y="1948365"/>
-            <a:ext cx="7704841" cy="4333973"/>
+            <a:off x="1321872" y="1948365"/>
+            <a:ext cx="9016124" cy="3866058"/>
           </a:xfrm>
           <a:prstGeom prst="rect">
             <a:avLst/>
           </a:prstGeom>
         </p:spPr>
       </p:pic>
+      <p:pic>
+        <p:nvPicPr>
+          <p:cNvPr id="13" name="Рисунок 12">
+            <a:extLst>
+              <a:ext uri="{FF2B5EF4-FFF2-40B4-BE49-F238E27FC236}">
+                <a16:creationId xmlns:a16="http://schemas.microsoft.com/office/drawing/2014/main" id="{444546BE-E4AE-44D4-B6F7-497987B9FDCF}"/>
+              </a:ext>
+            </a:extLst>
+          </p:cNvPr>
+          <p:cNvPicPr>
+            <a:picLocks noChangeAspect="1"/>
+          </p:cNvPicPr>
+          <p:nvPr/>
+        </p:nvPicPr>
+        <p:blipFill>
+          <a:blip r:embed="rId3">
+            <a:extLst>
+              <a:ext uri="{28A0092B-C50C-407E-A947-70E740481C1C}">
+                <a14:useLocalDpi xmlns:a14="http://schemas.microsoft.com/office/drawing/2010/main" val="0"/>
+              </a:ext>
+            </a:extLst>
+          </a:blip>
+          <a:stretch>
+            <a:fillRect/>
+          </a:stretch>
+        </p:blipFill>
+        <p:spPr>
+          <a:xfrm>
+            <a:off x="1506111" y="2472093"/>
+            <a:ext cx="8911472" cy="3078914"/>
+          </a:xfrm>
+          <a:prstGeom prst="rect">
+            <a:avLst/>
+          </a:prstGeom>
+        </p:spPr>
+      </p:pic>
+      <p:sp>
+        <p:nvSpPr>
+          <p:cNvPr id="15" name="Текст 14">
+            <a:extLst>
+              <a:ext uri="{FF2B5EF4-FFF2-40B4-BE49-F238E27FC236}">
+                <a16:creationId xmlns:a16="http://schemas.microsoft.com/office/drawing/2014/main" id="{DBDCAF06-4C07-4406-BD84-CC693950757F}"/>
+              </a:ext>
+            </a:extLst>
+          </p:cNvPr>
+          <p:cNvSpPr>
+            <a:spLocks noGrp="1"/>
+          </p:cNvSpPr>
+          <p:nvPr>
+            <p:ph type="body" sz="quarter" idx="11"/>
+          </p:nvPr>
+        </p:nvSpPr>
+        <p:spPr/>
+        <p:txBody>
+          <a:bodyPr/>
+          <a:lstStyle/>
+          <a:p>
+            <a:endParaRPr lang="ru-RU"/>
+          </a:p>
+        </p:txBody>
+      </p:sp>
     </p:spTree>
   </p:cSld>
   <p:clrMapOvr>
@@ -4592,7 +4635,7 @@
 </file>
 
 <file path=ppt/slides/slide11.xml><?xml version="1.0" encoding="utf-8"?>
-<p:sld xmlns:a="http://schemas.openxmlformats.org/drawingml/2006/main" xmlns:r="http://schemas.openxmlformats.org/officeDocument/2006/relationships" xmlns:p="http://schemas.openxmlformats.org/presentationml/2006/main" showMasterPhAnim="0">
+<p:sld xmlns:a="http://schemas.openxmlformats.org/drawingml/2006/main" xmlns:r="http://schemas.openxmlformats.org/officeDocument/2006/relationships" xmlns:p="http://schemas.openxmlformats.org/presentationml/2006/main">
   <p:cSld>
     <p:spTree>
       <p:nvGrpSpPr>
@@ -4600,7 +4643,7 @@
         <p:cNvGrpSpPr/>
         <p:nvPr/>
       </p:nvGrpSpPr>
-      <p:grpSpPr bwMode="auto">
+      <p:grpSpPr>
         <a:xfrm>
           <a:off x="0" y="0"/>
           <a:ext cx="0" cy="0"/>
@@ -4610,7 +4653,13 @@
       </p:grpSpPr>
       <p:sp>
         <p:nvSpPr>
-          <p:cNvPr id="7" name="Заголовок 6"/>
+          <p:cNvPr id="2" name="Заголовок 1">
+            <a:extLst>
+              <a:ext uri="{FF2B5EF4-FFF2-40B4-BE49-F238E27FC236}">
+                <a16:creationId xmlns:a16="http://schemas.microsoft.com/office/drawing/2014/main" id="{1D90EA87-CFEC-461B-A314-39BBF6A980A8}"/>
+              </a:ext>
+            </a:extLst>
+          </p:cNvPr>
           <p:cNvSpPr>
             <a:spLocks noGrp="1"/>
           </p:cNvSpPr>
@@ -4618,45 +4667,124 @@
             <p:ph type="title"/>
           </p:nvPr>
         </p:nvSpPr>
-        <p:spPr bwMode="auto"/>
+        <p:spPr/>
         <p:txBody>
           <a:bodyPr/>
           <a:lstStyle/>
           <a:p>
-            <a:pPr>
-              <a:defRPr/>
-            </a:pPr>
-            <a:r>
-              <a:rPr lang="ru-RU"/>
-              <a:t>ПРАКТИЧЕСКАЯ ЧАСТЬ</a:t>
-            </a:r>
-            <a:endParaRPr/>
-          </a:p>
-        </p:txBody>
-      </p:sp>
-      <p:sp>
-        <p:nvSpPr>
-          <p:cNvPr id="2" name="Текст 1"/>
-          <p:cNvSpPr>
-            <a:spLocks noGrp="1"/>
-          </p:cNvSpPr>
-          <p:nvPr>
-            <p:ph type="body" sz="quarter" idx="10"/>
-          </p:nvPr>
-        </p:nvSpPr>
-        <p:spPr bwMode="auto"/>
-        <p:txBody>
-          <a:bodyPr/>
+            <a:r>
+              <a:rPr lang="en-US" dirty="0"/>
+              <a:t>Dockerfile</a:t>
+            </a:r>
+            <a:endParaRPr lang="ru-RU" dirty="0"/>
+          </a:p>
+        </p:txBody>
+      </p:sp>
+      <p:pic>
+        <p:nvPicPr>
+          <p:cNvPr id="10" name="Объект 9">
+            <a:extLst>
+              <a:ext uri="{FF2B5EF4-FFF2-40B4-BE49-F238E27FC236}">
+                <a16:creationId xmlns:a16="http://schemas.microsoft.com/office/drawing/2014/main" id="{300142E1-1B2D-402E-B251-A9C62C611856}"/>
+              </a:ext>
+            </a:extLst>
+          </p:cNvPr>
+          <p:cNvPicPr>
+            <a:picLocks noGrp="1" noChangeAspect="1"/>
+          </p:cNvPicPr>
+          <p:nvPr>
+            <p:ph idx="12"/>
+          </p:nvPr>
+        </p:nvPicPr>
+        <p:blipFill rotWithShape="1">
+          <a:blip r:embed="rId2">
+            <a:extLst>
+              <a:ext uri="{28A0092B-C50C-407E-A947-70E740481C1C}">
+                <a14:useLocalDpi xmlns:a14="http://schemas.microsoft.com/office/drawing/2010/main" val="0"/>
+              </a:ext>
+            </a:extLst>
+          </a:blip>
+          <a:srcRect l="-217" t="15924" r="6892"/>
+          <a:stretch/>
+        </p:blipFill>
+        <p:spPr>
+          <a:xfrm>
+            <a:off x="1838228" y="2383562"/>
+            <a:ext cx="8041063" cy="3992252"/>
+          </a:xfrm>
+        </p:spPr>
+      </p:pic>
+      <p:sp>
+        <p:nvSpPr>
+          <p:cNvPr id="3" name="Текст 2">
+            <a:extLst>
+              <a:ext uri="{FF2B5EF4-FFF2-40B4-BE49-F238E27FC236}">
+                <a16:creationId xmlns:a16="http://schemas.microsoft.com/office/drawing/2014/main" id="{199C4231-B383-41DA-A9D2-1CEB3E540096}"/>
+              </a:ext>
+            </a:extLst>
+          </p:cNvPr>
+          <p:cNvSpPr>
+            <a:spLocks noGrp="1"/>
+          </p:cNvSpPr>
+          <p:nvPr>
+            <p:ph type="body" sz="quarter" idx="11"/>
+          </p:nvPr>
+        </p:nvSpPr>
+        <p:spPr>
+          <a:xfrm>
+            <a:off x="972350" y="1303607"/>
+            <a:ext cx="10247300" cy="1334962"/>
+          </a:xfrm>
+        </p:spPr>
+        <p:txBody>
+          <a:bodyPr>
+            <a:normAutofit/>
+          </a:bodyPr>
           <a:lstStyle/>
           <a:p>
-            <a:pPr>
-              <a:defRPr/>
-            </a:pPr>
-            <a:endParaRPr lang="ru-RU"/>
+            <a:r>
+              <a:rPr lang="en-US" sz="2800" b="1" dirty="0">
+                <a:latin typeface="Calibri" panose="020F0502020204030204" pitchFamily="34" charset="0"/>
+                <a:ea typeface="Calibri" panose="020F0502020204030204" pitchFamily="34" charset="0"/>
+                <a:cs typeface="Times New Roman" panose="02020603050405020304" pitchFamily="18" charset="0"/>
+              </a:rPr>
+              <a:t>Dockerfile</a:t>
+            </a:r>
+            <a:r>
+              <a:rPr lang="en-US" sz="2800" dirty="0">
+                <a:latin typeface="Calibri" panose="020F0502020204030204" pitchFamily="34" charset="0"/>
+                <a:ea typeface="Calibri" panose="020F0502020204030204" pitchFamily="34" charset="0"/>
+                <a:cs typeface="Times New Roman" panose="02020603050405020304" pitchFamily="18" charset="0"/>
+              </a:rPr>
+              <a:t> – </a:t>
+            </a:r>
+            <a:r>
+              <a:rPr lang="ru-RU" sz="2800" dirty="0">
+                <a:latin typeface="Calibri" panose="020F0502020204030204" pitchFamily="34" charset="0"/>
+                <a:ea typeface="Calibri" panose="020F0502020204030204" pitchFamily="34" charset="0"/>
+                <a:cs typeface="Times New Roman" panose="02020603050405020304" pitchFamily="18" charset="0"/>
+              </a:rPr>
+              <a:t>т</a:t>
+            </a:r>
+            <a:r>
+              <a:rPr lang="ru-RU" sz="2800" dirty="0">
+                <a:effectLst/>
+                <a:latin typeface="Calibri" panose="020F0502020204030204" pitchFamily="34" charset="0"/>
+                <a:ea typeface="Calibri" panose="020F0502020204030204" pitchFamily="34" charset="0"/>
+                <a:cs typeface="Times New Roman" panose="02020603050405020304" pitchFamily="18" charset="0"/>
+              </a:rPr>
+              <a:t>екстовый файл, содержащий все команды, которые нужно выполнить для сборки образа Docker.</a:t>
+            </a:r>
+            <a:endParaRPr lang="ru-RU" sz="3600" dirty="0"/>
           </a:p>
         </p:txBody>
       </p:sp>
     </p:spTree>
+    <p:extLst>
+      <p:ext uri="{BB962C8B-B14F-4D97-AF65-F5344CB8AC3E}">
+        <p14:creationId xmlns:p14="http://schemas.microsoft.com/office/powerpoint/2010/main" val="3917322463"/>
+      </p:ext>
+    </p:extLst>
   </p:cSld>
   <p:clrMapOvr>
     <a:masterClrMapping/>
@@ -4665,7 +4793,7 @@
 </file>
 
 <file path=ppt/slides/slide12.xml><?xml version="1.0" encoding="utf-8"?>
-<p:sld xmlns:a="http://schemas.openxmlformats.org/drawingml/2006/main" xmlns:r="http://schemas.openxmlformats.org/officeDocument/2006/relationships" xmlns:p="http://schemas.openxmlformats.org/presentationml/2006/main" showMasterPhAnim="0">
+<p:sld xmlns:a="http://schemas.openxmlformats.org/drawingml/2006/main" xmlns:r="http://schemas.openxmlformats.org/officeDocument/2006/relationships" xmlns:p="http://schemas.openxmlformats.org/presentationml/2006/main">
   <p:cSld>
     <p:spTree>
       <p:nvGrpSpPr>
@@ -4673,7 +4801,7 @@
         <p:cNvGrpSpPr/>
         <p:nvPr/>
       </p:nvGrpSpPr>
-      <p:grpSpPr bwMode="auto">
+      <p:grpSpPr>
         <a:xfrm>
           <a:off x="0" y="0"/>
           <a:ext cx="0" cy="0"/>
@@ -4683,7 +4811,13 @@
       </p:grpSpPr>
       <p:sp>
         <p:nvSpPr>
-          <p:cNvPr id="2" name="Заголовок 1"/>
+          <p:cNvPr id="2" name="Заголовок 1">
+            <a:extLst>
+              <a:ext uri="{FF2B5EF4-FFF2-40B4-BE49-F238E27FC236}">
+                <a16:creationId xmlns:a16="http://schemas.microsoft.com/office/drawing/2014/main" id="{40F80666-7644-4E0F-B56A-5924088C991A}"/>
+              </a:ext>
+            </a:extLst>
+          </p:cNvPr>
           <p:cNvSpPr>
             <a:spLocks noGrp="1"/>
           </p:cNvSpPr>
@@ -4691,23 +4825,115 @@
             <p:ph type="title"/>
           </p:nvPr>
         </p:nvSpPr>
-        <p:spPr bwMode="auto"/>
+        <p:spPr/>
         <p:txBody>
           <a:bodyPr/>
           <a:lstStyle/>
           <a:p>
-            <a:pPr>
-              <a:defRPr/>
-            </a:pPr>
-            <a:r>
-              <a:rPr lang="ru-RU"/>
-              <a:t>Практическая часть</a:t>
-            </a:r>
-            <a:endParaRPr/>
-          </a:p>
-        </p:txBody>
-      </p:sp>
+            <a:r>
+              <a:rPr lang="ru-RU" dirty="0"/>
+              <a:t>От </a:t>
+            </a:r>
+            <a:r>
+              <a:rPr lang="en-US" dirty="0"/>
+              <a:t>Dockerfile </a:t>
+            </a:r>
+            <a:r>
+              <a:rPr lang="ru-RU" dirty="0"/>
+              <a:t>к </a:t>
+            </a:r>
+            <a:r>
+              <a:rPr lang="en-US" dirty="0"/>
+              <a:t>Docker Image</a:t>
+            </a:r>
+            <a:endParaRPr lang="ru-RU" dirty="0"/>
+          </a:p>
+        </p:txBody>
+      </p:sp>
+      <p:sp>
+        <p:nvSpPr>
+          <p:cNvPr id="5" name="Текст 4">
+            <a:extLst>
+              <a:ext uri="{FF2B5EF4-FFF2-40B4-BE49-F238E27FC236}">
+                <a16:creationId xmlns:a16="http://schemas.microsoft.com/office/drawing/2014/main" id="{E089D374-542D-455A-BC88-5976BE1AA7E2}"/>
+              </a:ext>
+            </a:extLst>
+          </p:cNvPr>
+          <p:cNvSpPr>
+            <a:spLocks noGrp="1"/>
+          </p:cNvSpPr>
+          <p:nvPr>
+            <p:ph type="body" sz="quarter" idx="13"/>
+          </p:nvPr>
+        </p:nvSpPr>
+        <p:spPr>
+          <a:xfrm>
+            <a:off x="301657" y="2818615"/>
+            <a:ext cx="4044099" cy="1894787"/>
+          </a:xfrm>
+        </p:spPr>
+        <p:txBody>
+          <a:bodyPr>
+            <a:normAutofit lnSpcReduction="10000"/>
+          </a:bodyPr>
+          <a:lstStyle/>
+          <a:p>
+            <a:r>
+              <a:rPr lang="ru-RU" sz="2800" dirty="0"/>
+              <a:t>Построение образа использует систему слоёв, т.е. распределяет каждую строчку кода в отдельный слой</a:t>
+            </a:r>
+          </a:p>
+        </p:txBody>
+      </p:sp>
+      <p:pic>
+        <p:nvPicPr>
+          <p:cNvPr id="6" name="Объект 5" descr="Что такое Docker и зачем он нужен: компоненты, контейнеры, примеры  использования">
+            <a:extLst>
+              <a:ext uri="{FF2B5EF4-FFF2-40B4-BE49-F238E27FC236}">
+                <a16:creationId xmlns:a16="http://schemas.microsoft.com/office/drawing/2014/main" id="{1A6E8226-C673-42B0-906C-70FC461C8F5D}"/>
+              </a:ext>
+            </a:extLst>
+          </p:cNvPr>
+          <p:cNvPicPr>
+            <a:picLocks noGrp="1"/>
+          </p:cNvPicPr>
+          <p:nvPr>
+            <p:ph idx="12"/>
+          </p:nvPr>
+        </p:nvPicPr>
+        <p:blipFill>
+          <a:blip r:embed="rId2" cstate="print">
+            <a:extLst>
+              <a:ext uri="{28A0092B-C50C-407E-A947-70E740481C1C}">
+                <a14:useLocalDpi xmlns:a14="http://schemas.microsoft.com/office/drawing/2010/main" val="0"/>
+              </a:ext>
+            </a:extLst>
+          </a:blip>
+          <a:srcRect/>
+          <a:stretch>
+            <a:fillRect/>
+          </a:stretch>
+        </p:blipFill>
+        <p:spPr bwMode="auto">
+          <a:xfrm>
+            <a:off x="4420387" y="1619053"/>
+            <a:ext cx="7771613" cy="4084163"/>
+          </a:xfrm>
+          <a:prstGeom prst="rect">
+            <a:avLst/>
+          </a:prstGeom>
+          <a:noFill/>
+          <a:ln>
+            <a:noFill/>
+          </a:ln>
+        </p:spPr>
+      </p:pic>
     </p:spTree>
+    <p:extLst>
+      <p:ext uri="{BB962C8B-B14F-4D97-AF65-F5344CB8AC3E}">
+        <p14:creationId xmlns:p14="http://schemas.microsoft.com/office/powerpoint/2010/main" val="312677002"/>
+      </p:ext>
+    </p:extLst>
   </p:cSld>
   <p:clrMapOvr>
     <a:masterClrMapping/>
@@ -4716,7 +4942,7 @@
 </file>
 
 <file path=ppt/slides/slide13.xml><?xml version="1.0" encoding="utf-8"?>
-<p:sld xmlns:a="http://schemas.openxmlformats.org/drawingml/2006/main" xmlns:r="http://schemas.openxmlformats.org/officeDocument/2006/relationships" xmlns:p="http://schemas.openxmlformats.org/presentationml/2006/main" showMasterPhAnim="0">
+<p:sld xmlns:a="http://schemas.openxmlformats.org/drawingml/2006/main" xmlns:r="http://schemas.openxmlformats.org/officeDocument/2006/relationships" xmlns:p="http://schemas.openxmlformats.org/presentationml/2006/main">
   <p:cSld>
     <p:spTree>
       <p:nvGrpSpPr>
@@ -4724,7 +4950,7 @@
         <p:cNvGrpSpPr/>
         <p:nvPr/>
       </p:nvGrpSpPr>
-      <p:grpSpPr bwMode="auto">
+      <p:grpSpPr>
         <a:xfrm>
           <a:off x="0" y="0"/>
           <a:ext cx="0" cy="0"/>
@@ -4734,7 +4960,13 @@
       </p:grpSpPr>
       <p:sp>
         <p:nvSpPr>
-          <p:cNvPr id="2" name="Заголовок 1"/>
+          <p:cNvPr id="2" name="Заголовок 1">
+            <a:extLst>
+              <a:ext uri="{FF2B5EF4-FFF2-40B4-BE49-F238E27FC236}">
+                <a16:creationId xmlns:a16="http://schemas.microsoft.com/office/drawing/2014/main" id="{CA2F7616-7548-4690-B6D5-F44E10D94534}"/>
+              </a:ext>
+            </a:extLst>
+          </p:cNvPr>
           <p:cNvSpPr>
             <a:spLocks noGrp="1"/>
           </p:cNvSpPr>
@@ -4742,80 +4974,86 @@
             <p:ph type="title"/>
           </p:nvPr>
         </p:nvSpPr>
-        <p:spPr bwMode="auto">
-          <a:xfrm>
-            <a:off x="1106500" y="328229"/>
-            <a:ext cx="7203311" cy="815122"/>
-          </a:xfrm>
-        </p:spPr>
+        <p:spPr/>
         <p:txBody>
           <a:bodyPr/>
           <a:lstStyle/>
           <a:p>
-            <a:pPr>
-              <a:defRPr/>
-            </a:pPr>
-            <a:r>
-              <a:rPr lang="ru-RU"/>
-              <a:t>Заключение</a:t>
-            </a:r>
-          </a:p>
-        </p:txBody>
-      </p:sp>
-      <p:sp>
-        <p:nvSpPr>
-          <p:cNvPr id="4" name="Объект 3"/>
-          <p:cNvSpPr>
-            <a:spLocks noGrp="1"/>
-          </p:cNvSpPr>
+            <a:r>
+              <a:rPr lang="ru-RU" dirty="0"/>
+              <a:t>От </a:t>
+            </a:r>
+            <a:r>
+              <a:rPr lang="en-US" dirty="0"/>
+              <a:t>Docker Image </a:t>
+            </a:r>
+            <a:r>
+              <a:rPr lang="ru-RU" dirty="0"/>
+              <a:t>к </a:t>
+            </a:r>
+            <a:r>
+              <a:rPr lang="en-US" dirty="0"/>
+              <a:t>Docker container</a:t>
+            </a:r>
+            <a:endParaRPr lang="ru-RU" dirty="0"/>
+          </a:p>
+        </p:txBody>
+      </p:sp>
+      <p:pic>
+        <p:nvPicPr>
+          <p:cNvPr id="1026" name="Picture 2" descr="Picture background">
+            <a:extLst>
+              <a:ext uri="{FF2B5EF4-FFF2-40B4-BE49-F238E27FC236}">
+                <a16:creationId xmlns:a16="http://schemas.microsoft.com/office/drawing/2014/main" id="{D3D4CD5F-FB67-4223-9B8A-4A09794CD3BC}"/>
+              </a:ext>
+            </a:extLst>
+          </p:cNvPr>
+          <p:cNvPicPr>
+            <a:picLocks noGrp="1" noChangeAspect="1" noChangeArrowheads="1"/>
+          </p:cNvPicPr>
           <p:nvPr>
             <p:ph idx="12"/>
           </p:nvPr>
-        </p:nvSpPr>
-        <p:spPr bwMode="auto">
-          <a:xfrm>
-            <a:off x="835352" y="1352119"/>
-            <a:ext cx="11356648" cy="4840863"/>
-          </a:xfrm>
-        </p:spPr>
-        <p:txBody>
-          <a:bodyPr>
-            <a:normAutofit/>
-          </a:bodyPr>
-          <a:lstStyle/>
-          <a:p>
-            <a:pPr algn="just">
-              <a:lnSpc>
-                <a:spcPct val="100000"/>
-              </a:lnSpc>
-              <a:defRPr/>
-            </a:pPr>
-            <a:r>
-              <a:rPr lang="ru-RU" sz="2000">
+        </p:nvPicPr>
+        <p:blipFill>
+          <a:blip r:embed="rId2">
+            <a:extLst>
+              <a:ext uri="{28A0092B-C50C-407E-A947-70E740481C1C}">
+                <a14:useLocalDpi xmlns:a14="http://schemas.microsoft.com/office/drawing/2010/main" val="0"/>
+              </a:ext>
+            </a:extLst>
+          </a:blip>
+          <a:srcRect/>
+          <a:stretch>
+            <a:fillRect/>
+          </a:stretch>
+        </p:blipFill>
+        <p:spPr bwMode="auto">
+          <a:xfrm>
+            <a:off x="1551447" y="1385570"/>
+            <a:ext cx="8224011" cy="4917958"/>
+          </a:xfrm>
+          <a:prstGeom prst="rect">
+            <a:avLst/>
+          </a:prstGeom>
+          <a:noFill/>
+          <a:extLst>
+            <a:ext uri="{909E8E84-426E-40DD-AFC4-6F175D3DCCD1}">
+              <a14:hiddenFill xmlns:a14="http://schemas.microsoft.com/office/drawing/2010/main">
                 <a:solidFill>
-                  <a:schemeClr val="tx1"/>
+                  <a:srgbClr val="FFFFFF"/>
                 </a:solidFill>
-                <a:latin typeface="Times New Roman"/>
-                <a:cs typeface="Times New Roman"/>
-              </a:rPr>
-              <a:t>.</a:t>
-            </a:r>
-          </a:p>
-          <a:p>
-            <a:pPr>
-              <a:defRPr/>
-            </a:pPr>
-            <a:endParaRPr lang="ru-RU" sz="2000">
-              <a:solidFill>
-                <a:schemeClr val="tx1"/>
-              </a:solidFill>
-              <a:latin typeface="Times New Roman"/>
-              <a:cs typeface="Times New Roman"/>
-            </a:endParaRPr>
-          </a:p>
-        </p:txBody>
-      </p:sp>
+              </a14:hiddenFill>
+            </a:ext>
+          </a:extLst>
+        </p:spPr>
+      </p:pic>
     </p:spTree>
+    <p:extLst>
+      <p:ext uri="{BB962C8B-B14F-4D97-AF65-F5344CB8AC3E}">
+        <p14:creationId xmlns:p14="http://schemas.microsoft.com/office/powerpoint/2010/main" val="1525907237"/>
+      </p:ext>
+    </p:extLst>
   </p:cSld>
   <p:clrMapOvr>
     <a:masterClrMapping/>
@@ -4842,7 +5080,7 @@
       </p:grpSpPr>
       <p:sp>
         <p:nvSpPr>
-          <p:cNvPr id="2" name="Заголовок 1"/>
+          <p:cNvPr id="7" name="Заголовок 6"/>
           <p:cNvSpPr>
             <a:spLocks noGrp="1"/>
           </p:cNvSpPr>
@@ -4850,12 +5088,7 @@
             <p:ph type="title"/>
           </p:nvPr>
         </p:nvSpPr>
-        <p:spPr bwMode="auto">
-          <a:xfrm>
-            <a:off x="1106500" y="328229"/>
-            <a:ext cx="7203311" cy="815122"/>
-          </a:xfrm>
-        </p:spPr>
+        <p:spPr bwMode="auto"/>
         <p:txBody>
           <a:bodyPr/>
           <a:lstStyle/>
@@ -4865,61 +5098,31 @@
             </a:pPr>
             <a:r>
               <a:rPr lang="ru-RU"/>
-              <a:t>Список литературы</a:t>
-            </a:r>
-          </a:p>
-        </p:txBody>
-      </p:sp>
-      <p:sp>
-        <p:nvSpPr>
-          <p:cNvPr id="4" name="Объект 3"/>
-          <p:cNvSpPr>
-            <a:spLocks noGrp="1"/>
-          </p:cNvSpPr>
-          <p:nvPr>
-            <p:ph idx="12"/>
-          </p:nvPr>
-        </p:nvSpPr>
-        <p:spPr bwMode="auto">
-          <a:xfrm>
-            <a:off x="835352" y="1352119"/>
-            <a:ext cx="11356648" cy="4840863"/>
-          </a:xfrm>
-        </p:spPr>
-        <p:txBody>
-          <a:bodyPr>
-            <a:normAutofit/>
-          </a:bodyPr>
+              <a:t>ПРАКТИЧЕСКАЯ ЧАСТЬ</a:t>
+            </a:r>
+            <a:endParaRPr/>
+          </a:p>
+        </p:txBody>
+      </p:sp>
+      <p:sp>
+        <p:nvSpPr>
+          <p:cNvPr id="2" name="Текст 1"/>
+          <p:cNvSpPr>
+            <a:spLocks noGrp="1"/>
+          </p:cNvSpPr>
+          <p:nvPr>
+            <p:ph type="body" sz="quarter" idx="10"/>
+          </p:nvPr>
+        </p:nvSpPr>
+        <p:spPr bwMode="auto"/>
+        <p:txBody>
+          <a:bodyPr/>
           <a:lstStyle/>
           <a:p>
-            <a:pPr algn="just">
-              <a:lnSpc>
-                <a:spcPct val="100000"/>
-              </a:lnSpc>
-              <a:defRPr/>
-            </a:pPr>
-            <a:r>
-              <a:rPr lang="ru-RU" sz="2000">
-                <a:solidFill>
-                  <a:schemeClr val="tx1"/>
-                </a:solidFill>
-                <a:latin typeface="Times New Roman"/>
-                <a:cs typeface="Times New Roman"/>
-              </a:rPr>
-              <a:t>.</a:t>
-            </a:r>
-          </a:p>
-          <a:p>
             <a:pPr>
               <a:defRPr/>
             </a:pPr>
-            <a:endParaRPr lang="ru-RU" sz="2000">
-              <a:solidFill>
-                <a:schemeClr val="tx1"/>
-              </a:solidFill>
-              <a:latin typeface="Times New Roman"/>
-              <a:cs typeface="Times New Roman"/>
-            </a:endParaRPr>
+            <a:endParaRPr lang="ru-RU"/>
           </a:p>
         </p:txBody>
       </p:sp>
@@ -4950,7 +5153,7 @@
       </p:grpSpPr>
       <p:sp>
         <p:nvSpPr>
-          <p:cNvPr id="11" name="Заголовок 10"/>
+          <p:cNvPr id="2" name="Заголовок 1"/>
           <p:cNvSpPr>
             <a:spLocks noGrp="1"/>
           </p:cNvSpPr>
@@ -4968,7 +5171,7 @@
             </a:pPr>
             <a:r>
               <a:rPr lang="ru-RU"/>
-              <a:t>Спасибо за внимание</a:t>
+              <a:t>Практическая часть</a:t>
             </a:r>
             <a:endParaRPr/>
           </a:p>
@@ -4976,15 +5179,135 @@
       </p:sp>
       <p:sp>
         <p:nvSpPr>
-          <p:cNvPr id="12" name="Текст 11"/>
-          <p:cNvSpPr>
-            <a:spLocks noGrp="1"/>
-          </p:cNvSpPr>
-          <p:nvPr>
-            <p:ph type="body" sz="quarter" idx="10"/>
-          </p:nvPr>
-        </p:nvSpPr>
-        <p:spPr bwMode="auto"/>
+          <p:cNvPr id="3" name="Текст 2">
+            <a:extLst>
+              <a:ext uri="{FF2B5EF4-FFF2-40B4-BE49-F238E27FC236}">
+                <a16:creationId xmlns:a16="http://schemas.microsoft.com/office/drawing/2014/main" id="{F741E0CC-EA43-4E29-B8B0-61CCCABFE786}"/>
+              </a:ext>
+            </a:extLst>
+          </p:cNvPr>
+          <p:cNvSpPr>
+            <a:spLocks noGrp="1"/>
+          </p:cNvSpPr>
+          <p:nvPr>
+            <p:ph type="body" sz="quarter" idx="11"/>
+          </p:nvPr>
+        </p:nvSpPr>
+        <p:spPr/>
+        <p:txBody>
+          <a:bodyPr>
+            <a:normAutofit fontScale="70000" lnSpcReduction="20000"/>
+          </a:bodyPr>
+          <a:lstStyle/>
+          <a:p>
+            <a:r>
+              <a:rPr lang="ru-RU" dirty="0"/>
+              <a:t>Как располагать скрины с кодом и вообще это всё структурировать красиво?</a:t>
+            </a:r>
+          </a:p>
+        </p:txBody>
+      </p:sp>
+      <p:pic>
+        <p:nvPicPr>
+          <p:cNvPr id="6" name="Объект 5">
+            <a:extLst>
+              <a:ext uri="{FF2B5EF4-FFF2-40B4-BE49-F238E27FC236}">
+                <a16:creationId xmlns:a16="http://schemas.microsoft.com/office/drawing/2014/main" id="{9585A3BE-5D56-436B-AF49-E7DEE921988D}"/>
+              </a:ext>
+            </a:extLst>
+          </p:cNvPr>
+          <p:cNvPicPr>
+            <a:picLocks noGrp="1"/>
+          </p:cNvPicPr>
+          <p:nvPr>
+            <p:ph idx="12"/>
+          </p:nvPr>
+        </p:nvPicPr>
+        <p:blipFill>
+          <a:blip r:embed="rId2"/>
+          <a:stretch>
+            <a:fillRect/>
+          </a:stretch>
+        </p:blipFill>
+        <p:spPr>
+          <a:xfrm>
+            <a:off x="6746450" y="1547912"/>
+            <a:ext cx="5148262" cy="4810232"/>
+          </a:xfrm>
+          <a:prstGeom prst="rect">
+            <a:avLst/>
+          </a:prstGeom>
+        </p:spPr>
+      </p:pic>
+      <p:pic>
+        <p:nvPicPr>
+          <p:cNvPr id="7" name="Рисунок 6">
+            <a:extLst>
+              <a:ext uri="{FF2B5EF4-FFF2-40B4-BE49-F238E27FC236}">
+                <a16:creationId xmlns:a16="http://schemas.microsoft.com/office/drawing/2014/main" id="{18DF19CB-B943-4804-85B8-E8248DEFE42D}"/>
+              </a:ext>
+            </a:extLst>
+          </p:cNvPr>
+          <p:cNvPicPr/>
+          <p:nvPr/>
+        </p:nvPicPr>
+        <p:blipFill>
+          <a:blip r:embed="rId3"/>
+          <a:stretch>
+            <a:fillRect/>
+          </a:stretch>
+        </p:blipFill>
+        <p:spPr>
+          <a:xfrm>
+            <a:off x="441816" y="1961026"/>
+            <a:ext cx="5940425" cy="3984003"/>
+          </a:xfrm>
+          <a:prstGeom prst="rect">
+            <a:avLst/>
+          </a:prstGeom>
+        </p:spPr>
+      </p:pic>
+    </p:spTree>
+  </p:cSld>
+  <p:clrMapOvr>
+    <a:masterClrMapping/>
+  </p:clrMapOvr>
+</p:sld>
+</file>
+
+<file path=ppt/slides/slide16.xml><?xml version="1.0" encoding="utf-8"?>
+<p:sld xmlns:a="http://schemas.openxmlformats.org/drawingml/2006/main" xmlns:r="http://schemas.openxmlformats.org/officeDocument/2006/relationships" xmlns:p="http://schemas.openxmlformats.org/presentationml/2006/main" showMasterPhAnim="0">
+  <p:cSld>
+    <p:spTree>
+      <p:nvGrpSpPr>
+        <p:cNvPr id="1" name=""/>
+        <p:cNvGrpSpPr/>
+        <p:nvPr/>
+      </p:nvGrpSpPr>
+      <p:grpSpPr bwMode="auto">
+        <a:xfrm>
+          <a:off x="0" y="0"/>
+          <a:ext cx="0" cy="0"/>
+          <a:chOff x="0" y="0"/>
+          <a:chExt cx="0" cy="0"/>
+        </a:xfrm>
+      </p:grpSpPr>
+      <p:sp>
+        <p:nvSpPr>
+          <p:cNvPr id="2" name="Заголовок 1"/>
+          <p:cNvSpPr>
+            <a:spLocks noGrp="1"/>
+          </p:cNvSpPr>
+          <p:nvPr>
+            <p:ph type="title"/>
+          </p:nvPr>
+        </p:nvSpPr>
+        <p:spPr bwMode="auto">
+          <a:xfrm>
+            <a:off x="1106500" y="328229"/>
+            <a:ext cx="7203311" cy="815122"/>
+          </a:xfrm>
+        </p:spPr>
         <p:txBody>
           <a:bodyPr/>
           <a:lstStyle/>
@@ -4992,11 +5315,363 @@
             <a:pPr>
               <a:defRPr/>
             </a:pPr>
+            <a:r>
+              <a:rPr lang="ru-RU"/>
+              <a:t>Заключение</a:t>
+            </a:r>
+          </a:p>
+        </p:txBody>
+      </p:sp>
+      <p:sp>
+        <p:nvSpPr>
+          <p:cNvPr id="4" name="Объект 3"/>
+          <p:cNvSpPr>
+            <a:spLocks noGrp="1"/>
+          </p:cNvSpPr>
+          <p:nvPr>
+            <p:ph idx="12"/>
+          </p:nvPr>
+        </p:nvSpPr>
+        <p:spPr bwMode="auto">
+          <a:xfrm>
+            <a:off x="835352" y="1352119"/>
+            <a:ext cx="11356648" cy="4840863"/>
+          </a:xfrm>
+        </p:spPr>
+        <p:txBody>
+          <a:bodyPr>
+            <a:normAutofit/>
+          </a:bodyPr>
+          <a:lstStyle/>
+          <a:p>
+            <a:pPr algn="just">
+              <a:lnSpc>
+                <a:spcPct val="100000"/>
+              </a:lnSpc>
+              <a:defRPr/>
+            </a:pPr>
+            <a:r>
+              <a:rPr lang="ru-RU" sz="2000">
+                <a:solidFill>
+                  <a:schemeClr val="tx1"/>
+                </a:solidFill>
+                <a:latin typeface="Times New Roman"/>
+                <a:cs typeface="Times New Roman"/>
+              </a:rPr>
+              <a:t>.</a:t>
+            </a:r>
+          </a:p>
+          <a:p>
+            <a:pPr>
+              <a:defRPr/>
+            </a:pPr>
+            <a:endParaRPr lang="ru-RU" sz="2000">
+              <a:solidFill>
+                <a:schemeClr val="tx1"/>
+              </a:solidFill>
+              <a:latin typeface="Times New Roman"/>
+              <a:cs typeface="Times New Roman"/>
+            </a:endParaRPr>
+          </a:p>
+        </p:txBody>
+      </p:sp>
+    </p:spTree>
+  </p:cSld>
+  <p:clrMapOvr>
+    <a:masterClrMapping/>
+  </p:clrMapOvr>
+</p:sld>
+</file>
+
+<file path=ppt/slides/slide17.xml><?xml version="1.0" encoding="utf-8"?>
+<p:sld xmlns:a="http://schemas.openxmlformats.org/drawingml/2006/main" xmlns:r="http://schemas.openxmlformats.org/officeDocument/2006/relationships" xmlns:p="http://schemas.openxmlformats.org/presentationml/2006/main" showMasterPhAnim="0">
+  <p:cSld>
+    <p:spTree>
+      <p:nvGrpSpPr>
+        <p:cNvPr id="1" name=""/>
+        <p:cNvGrpSpPr/>
+        <p:nvPr/>
+      </p:nvGrpSpPr>
+      <p:grpSpPr bwMode="auto">
+        <a:xfrm>
+          <a:off x="0" y="0"/>
+          <a:ext cx="0" cy="0"/>
+          <a:chOff x="0" y="0"/>
+          <a:chExt cx="0" cy="0"/>
+        </a:xfrm>
+      </p:grpSpPr>
+      <p:sp>
+        <p:nvSpPr>
+          <p:cNvPr id="2" name="Заголовок 1"/>
+          <p:cNvSpPr>
+            <a:spLocks noGrp="1"/>
+          </p:cNvSpPr>
+          <p:nvPr>
+            <p:ph type="title"/>
+          </p:nvPr>
+        </p:nvSpPr>
+        <p:spPr bwMode="auto">
+          <a:xfrm>
+            <a:off x="1106500" y="328229"/>
+            <a:ext cx="7203311" cy="815122"/>
+          </a:xfrm>
+        </p:spPr>
+        <p:txBody>
+          <a:bodyPr/>
+          <a:lstStyle/>
+          <a:p>
+            <a:pPr>
+              <a:defRPr/>
+            </a:pPr>
+            <a:r>
+              <a:rPr lang="ru-RU"/>
+              <a:t>Список литературы</a:t>
+            </a:r>
+          </a:p>
+        </p:txBody>
+      </p:sp>
+      <p:sp>
+        <p:nvSpPr>
+          <p:cNvPr id="4" name="Объект 3"/>
+          <p:cNvSpPr>
+            <a:spLocks noGrp="1"/>
+          </p:cNvSpPr>
+          <p:nvPr>
+            <p:ph idx="12"/>
+          </p:nvPr>
+        </p:nvSpPr>
+        <p:spPr bwMode="auto">
+          <a:xfrm>
+            <a:off x="835352" y="1352119"/>
+            <a:ext cx="11356648" cy="4840863"/>
+          </a:xfrm>
+        </p:spPr>
+        <p:txBody>
+          <a:bodyPr>
+            <a:normAutofit/>
+          </a:bodyPr>
+          <a:lstStyle/>
+          <a:p>
+            <a:pPr algn="just">
+              <a:lnSpc>
+                <a:spcPct val="100000"/>
+              </a:lnSpc>
+              <a:defRPr/>
+            </a:pPr>
+            <a:r>
+              <a:rPr lang="ru-RU" sz="2000">
+                <a:solidFill>
+                  <a:schemeClr val="tx1"/>
+                </a:solidFill>
+                <a:latin typeface="Times New Roman"/>
+                <a:cs typeface="Times New Roman"/>
+              </a:rPr>
+              <a:t>.</a:t>
+            </a:r>
+          </a:p>
+          <a:p>
+            <a:pPr>
+              <a:defRPr/>
+            </a:pPr>
+            <a:endParaRPr lang="ru-RU" sz="2000">
+              <a:solidFill>
+                <a:schemeClr val="tx1"/>
+              </a:solidFill>
+              <a:latin typeface="Times New Roman"/>
+              <a:cs typeface="Times New Roman"/>
+            </a:endParaRPr>
+          </a:p>
+        </p:txBody>
+      </p:sp>
+    </p:spTree>
+  </p:cSld>
+  <p:clrMapOvr>
+    <a:masterClrMapping/>
+  </p:clrMapOvr>
+</p:sld>
+</file>
+
+<file path=ppt/slides/slide18.xml><?xml version="1.0" encoding="utf-8"?>
+<p:sld xmlns:a="http://schemas.openxmlformats.org/drawingml/2006/main" xmlns:r="http://schemas.openxmlformats.org/officeDocument/2006/relationships" xmlns:p="http://schemas.openxmlformats.org/presentationml/2006/main" showMasterPhAnim="0">
+  <p:cSld>
+    <p:spTree>
+      <p:nvGrpSpPr>
+        <p:cNvPr id="1" name=""/>
+        <p:cNvGrpSpPr/>
+        <p:nvPr/>
+      </p:nvGrpSpPr>
+      <p:grpSpPr bwMode="auto">
+        <a:xfrm>
+          <a:off x="0" y="0"/>
+          <a:ext cx="0" cy="0"/>
+          <a:chOff x="0" y="0"/>
+          <a:chExt cx="0" cy="0"/>
+        </a:xfrm>
+      </p:grpSpPr>
+      <p:sp>
+        <p:nvSpPr>
+          <p:cNvPr id="11" name="Заголовок 10"/>
+          <p:cNvSpPr>
+            <a:spLocks noGrp="1"/>
+          </p:cNvSpPr>
+          <p:nvPr>
+            <p:ph type="title"/>
+          </p:nvPr>
+        </p:nvSpPr>
+        <p:spPr bwMode="auto"/>
+        <p:txBody>
+          <a:bodyPr/>
+          <a:lstStyle/>
+          <a:p>
+            <a:pPr>
+              <a:defRPr/>
+            </a:pPr>
+            <a:r>
+              <a:rPr lang="ru-RU"/>
+              <a:t>Спасибо за внимание</a:t>
+            </a:r>
+            <a:endParaRPr/>
+          </a:p>
+        </p:txBody>
+      </p:sp>
+      <p:sp>
+        <p:nvSpPr>
+          <p:cNvPr id="12" name="Текст 11"/>
+          <p:cNvSpPr>
+            <a:spLocks noGrp="1"/>
+          </p:cNvSpPr>
+          <p:nvPr>
+            <p:ph type="body" sz="quarter" idx="10"/>
+          </p:nvPr>
+        </p:nvSpPr>
+        <p:spPr bwMode="auto"/>
+        <p:txBody>
+          <a:bodyPr/>
+          <a:lstStyle/>
+          <a:p>
+            <a:pPr>
+              <a:defRPr/>
+            </a:pPr>
             <a:endParaRPr lang="ru-RU"/>
           </a:p>
         </p:txBody>
       </p:sp>
     </p:spTree>
+  </p:cSld>
+  <p:clrMapOvr>
+    <a:masterClrMapping/>
+  </p:clrMapOvr>
+</p:sld>
+</file>
+
+<file path=ppt/slides/slide19.xml><?xml version="1.0" encoding="utf-8"?>
+<p:sld xmlns:a="http://schemas.openxmlformats.org/drawingml/2006/main" xmlns:r="http://schemas.openxmlformats.org/officeDocument/2006/relationships" xmlns:p="http://schemas.openxmlformats.org/presentationml/2006/main">
+  <p:cSld>
+    <p:spTree>
+      <p:nvGrpSpPr>
+        <p:cNvPr id="1" name=""/>
+        <p:cNvGrpSpPr/>
+        <p:nvPr/>
+      </p:nvGrpSpPr>
+      <p:grpSpPr>
+        <a:xfrm>
+          <a:off x="0" y="0"/>
+          <a:ext cx="0" cy="0"/>
+          <a:chOff x="0" y="0"/>
+          <a:chExt cx="0" cy="0"/>
+        </a:xfrm>
+      </p:grpSpPr>
+      <p:sp>
+        <p:nvSpPr>
+          <p:cNvPr id="2" name="Заголовок 1">
+            <a:extLst>
+              <a:ext uri="{FF2B5EF4-FFF2-40B4-BE49-F238E27FC236}">
+                <a16:creationId xmlns:a16="http://schemas.microsoft.com/office/drawing/2014/main" id="{79ED6130-5CC1-4FCA-9535-4EF255B0D97E}"/>
+              </a:ext>
+            </a:extLst>
+          </p:cNvPr>
+          <p:cNvSpPr>
+            <a:spLocks noGrp="1"/>
+          </p:cNvSpPr>
+          <p:nvPr>
+            <p:ph type="title"/>
+          </p:nvPr>
+        </p:nvSpPr>
+        <p:spPr/>
+        <p:txBody>
+          <a:bodyPr/>
+          <a:lstStyle/>
+          <a:p>
+            <a:r>
+              <a:rPr lang="ru-RU" dirty="0"/>
+              <a:t>Траблы, сокращения</a:t>
+            </a:r>
+          </a:p>
+        </p:txBody>
+      </p:sp>
+      <p:sp>
+        <p:nvSpPr>
+          <p:cNvPr id="3" name="Текст 2">
+            <a:extLst>
+              <a:ext uri="{FF2B5EF4-FFF2-40B4-BE49-F238E27FC236}">
+                <a16:creationId xmlns:a16="http://schemas.microsoft.com/office/drawing/2014/main" id="{1530E337-DEA4-4927-9B8E-B4186211B40D}"/>
+              </a:ext>
+            </a:extLst>
+          </p:cNvPr>
+          <p:cNvSpPr>
+            <a:spLocks noGrp="1"/>
+          </p:cNvSpPr>
+          <p:nvPr>
+            <p:ph type="body" sz="quarter" idx="10"/>
+          </p:nvPr>
+        </p:nvSpPr>
+        <p:spPr/>
+        <p:txBody>
+          <a:bodyPr>
+            <a:normAutofit fontScale="70000" lnSpcReduction="20000"/>
+          </a:bodyPr>
+          <a:lstStyle/>
+          <a:p>
+            <a:pPr marL="514350" indent="-514350">
+              <a:buFont typeface="+mj-lt"/>
+              <a:buAutoNum type="arabicPeriod"/>
+            </a:pPr>
+            <a:r>
+              <a:rPr lang="ru-RU" dirty="0"/>
+              <a:t>Может вырезать таблицу? (5)</a:t>
+            </a:r>
+          </a:p>
+          <a:p>
+            <a:pPr marL="514350" indent="-514350">
+              <a:buFont typeface="+mj-lt"/>
+              <a:buAutoNum type="arabicPeriod"/>
+            </a:pPr>
+            <a:r>
+              <a:rPr lang="ru-RU" dirty="0"/>
+              <a:t>6 слайд</a:t>
+            </a:r>
+          </a:p>
+          <a:p>
+            <a:pPr marL="514350" indent="-514350">
+              <a:buFont typeface="+mj-lt"/>
+              <a:buAutoNum type="arabicPeriod"/>
+            </a:pPr>
+            <a:r>
+              <a:rPr lang="ru-RU" dirty="0"/>
+              <a:t>Убрать текст в образах и оставить картинку?</a:t>
+            </a:r>
+          </a:p>
+          <a:p>
+            <a:endParaRPr lang="ru-RU" dirty="0"/>
+          </a:p>
+        </p:txBody>
+      </p:sp>
+    </p:spTree>
+    <p:extLst>
+      <p:ext uri="{BB962C8B-B14F-4D97-AF65-F5344CB8AC3E}">
+        <p14:creationId xmlns:p14="http://schemas.microsoft.com/office/powerpoint/2010/main" val="3728894667"/>
+      </p:ext>
+    </p:extLst>
   </p:cSld>
   <p:clrMapOvr>
     <a:masterClrMapping/>
